--- a/docs/API4KP Spec Diagrams.pptx
+++ b/docs/API4KP Spec Diagrams.pptx
@@ -5,12 +5,13 @@
     <p:sldMasterId id="2147483670" r:id="rId1"/>
   </p:sldMasterIdLst>
   <p:notesMasterIdLst>
-    <p:notesMasterId r:id="rId3"/>
+    <p:notesMasterId r:id="rId4"/>
   </p:notesMasterIdLst>
   <p:sldIdLst>
-    <p:sldId id="274" r:id="rId2"/>
+    <p:sldId id="275" r:id="rId2"/>
+    <p:sldId id="274" r:id="rId3"/>
   </p:sldIdLst>
-  <p:sldSz cx="8229600" cy="5143500"/>
+  <p:sldSz cx="12188825" cy="6858000"/>
   <p:notesSz cx="6858000" cy="9144000"/>
   <p:defaultTextStyle>
     <a:defPPr marR="0" lvl="0" algn="l" rtl="0">
@@ -38,7 +39,7 @@
         <a:srgbClr val="000000"/>
       </a:buClr>
       <a:buFont typeface="Arial"/>
-      <a:defRPr sz="1400" b="0" i="0" u="none" strike="noStrike" cap="none">
+      <a:defRPr sz="1866" b="0" i="0" u="none" strike="noStrike" cap="none">
         <a:solidFill>
           <a:srgbClr val="000000"/>
         </a:solidFill>
@@ -62,7 +63,7 @@
         <a:srgbClr val="000000"/>
       </a:buClr>
       <a:buFont typeface="Arial"/>
-      <a:defRPr sz="1400" b="0" i="0" u="none" strike="noStrike" cap="none">
+      <a:defRPr sz="1866" b="0" i="0" u="none" strike="noStrike" cap="none">
         <a:solidFill>
           <a:srgbClr val="000000"/>
         </a:solidFill>
@@ -86,7 +87,7 @@
         <a:srgbClr val="000000"/>
       </a:buClr>
       <a:buFont typeface="Arial"/>
-      <a:defRPr sz="1400" b="0" i="0" u="none" strike="noStrike" cap="none">
+      <a:defRPr sz="1866" b="0" i="0" u="none" strike="noStrike" cap="none">
         <a:solidFill>
           <a:srgbClr val="000000"/>
         </a:solidFill>
@@ -110,7 +111,7 @@
         <a:srgbClr val="000000"/>
       </a:buClr>
       <a:buFont typeface="Arial"/>
-      <a:defRPr sz="1400" b="0" i="0" u="none" strike="noStrike" cap="none">
+      <a:defRPr sz="1866" b="0" i="0" u="none" strike="noStrike" cap="none">
         <a:solidFill>
           <a:srgbClr val="000000"/>
         </a:solidFill>
@@ -134,7 +135,7 @@
         <a:srgbClr val="000000"/>
       </a:buClr>
       <a:buFont typeface="Arial"/>
-      <a:defRPr sz="1400" b="0" i="0" u="none" strike="noStrike" cap="none">
+      <a:defRPr sz="1866" b="0" i="0" u="none" strike="noStrike" cap="none">
         <a:solidFill>
           <a:srgbClr val="000000"/>
         </a:solidFill>
@@ -158,7 +159,7 @@
         <a:srgbClr val="000000"/>
       </a:buClr>
       <a:buFont typeface="Arial"/>
-      <a:defRPr sz="1400" b="0" i="0" u="none" strike="noStrike" cap="none">
+      <a:defRPr sz="1866" b="0" i="0" u="none" strike="noStrike" cap="none">
         <a:solidFill>
           <a:srgbClr val="000000"/>
         </a:solidFill>
@@ -182,7 +183,7 @@
         <a:srgbClr val="000000"/>
       </a:buClr>
       <a:buFont typeface="Arial"/>
-      <a:defRPr sz="1400" b="0" i="0" u="none" strike="noStrike" cap="none">
+      <a:defRPr sz="1866" b="0" i="0" u="none" strike="noStrike" cap="none">
         <a:solidFill>
           <a:srgbClr val="000000"/>
         </a:solidFill>
@@ -206,7 +207,7 @@
         <a:srgbClr val="000000"/>
       </a:buClr>
       <a:buFont typeface="Arial"/>
-      <a:defRPr sz="1400" b="0" i="0" u="none" strike="noStrike" cap="none">
+      <a:defRPr sz="1866" b="0" i="0" u="none" strike="noStrike" cap="none">
         <a:solidFill>
           <a:srgbClr val="000000"/>
         </a:solidFill>
@@ -230,7 +231,7 @@
         <a:srgbClr val="000000"/>
       </a:buClr>
       <a:buFont typeface="Arial"/>
-      <a:defRPr sz="1400" b="0" i="0" u="none" strike="noStrike" cap="none">
+      <a:defRPr sz="1866" b="0" i="0" u="none" strike="noStrike" cap="none">
         <a:solidFill>
           <a:srgbClr val="000000"/>
         </a:solidFill>
@@ -241,6 +242,22 @@
       </a:defRPr>
     </a:lvl9pPr>
   </p:defaultTextStyle>
+  <p:extLst>
+    <p:ext uri="{EFAFB233-063F-42B5-8137-9DF3F51BA10A}">
+      <p15:sldGuideLst xmlns:p15="http://schemas.microsoft.com/office/powerpoint/2012/main">
+        <p15:guide id="1" orient="horz" pos="2160" userDrawn="1">
+          <p15:clr>
+            <a:srgbClr val="A4A3A4"/>
+          </p15:clr>
+        </p15:guide>
+        <p15:guide id="2" pos="3839" userDrawn="1">
+          <p15:clr>
+            <a:srgbClr val="A4A3A4"/>
+          </p15:clr>
+        </p15:guide>
+      </p15:sldGuideLst>
+    </p:ext>
+  </p:extLst>
 </p:presentation>
 </file>
 
@@ -278,8 +295,8 @@
         </p:nvSpPr>
         <p:spPr>
           <a:xfrm>
-            <a:off x="686100" y="685800"/>
-            <a:ext cx="5486400" cy="3429000"/>
+            <a:off x="381000" y="685800"/>
+            <a:ext cx="6096000" cy="3429000"/>
           </a:xfrm>
           <a:custGeom>
             <a:avLst/>
@@ -484,7 +501,7 @@
         <a:srgbClr val="000000"/>
       </a:buClr>
       <a:buFont typeface="Arial"/>
-      <a:defRPr sz="1400" b="0" i="0" u="none" strike="noStrike" cap="none">
+      <a:defRPr sz="1866" b="0" i="0" u="none" strike="noStrike" cap="none">
         <a:solidFill>
           <a:srgbClr val="000000"/>
         </a:solidFill>
@@ -508,7 +525,7 @@
         <a:srgbClr val="000000"/>
       </a:buClr>
       <a:buFont typeface="Arial"/>
-      <a:defRPr sz="1400" b="0" i="0" u="none" strike="noStrike" cap="none">
+      <a:defRPr sz="1866" b="0" i="0" u="none" strike="noStrike" cap="none">
         <a:solidFill>
           <a:srgbClr val="000000"/>
         </a:solidFill>
@@ -532,7 +549,7 @@
         <a:srgbClr val="000000"/>
       </a:buClr>
       <a:buFont typeface="Arial"/>
-      <a:defRPr sz="1400" b="0" i="0" u="none" strike="noStrike" cap="none">
+      <a:defRPr sz="1866" b="0" i="0" u="none" strike="noStrike" cap="none">
         <a:solidFill>
           <a:srgbClr val="000000"/>
         </a:solidFill>
@@ -556,7 +573,7 @@
         <a:srgbClr val="000000"/>
       </a:buClr>
       <a:buFont typeface="Arial"/>
-      <a:defRPr sz="1400" b="0" i="0" u="none" strike="noStrike" cap="none">
+      <a:defRPr sz="1866" b="0" i="0" u="none" strike="noStrike" cap="none">
         <a:solidFill>
           <a:srgbClr val="000000"/>
         </a:solidFill>
@@ -580,7 +597,7 @@
         <a:srgbClr val="000000"/>
       </a:buClr>
       <a:buFont typeface="Arial"/>
-      <a:defRPr sz="1400" b="0" i="0" u="none" strike="noStrike" cap="none">
+      <a:defRPr sz="1866" b="0" i="0" u="none" strike="noStrike" cap="none">
         <a:solidFill>
           <a:srgbClr val="000000"/>
         </a:solidFill>
@@ -604,7 +621,7 @@
         <a:srgbClr val="000000"/>
       </a:buClr>
       <a:buFont typeface="Arial"/>
-      <a:defRPr sz="1400" b="0" i="0" u="none" strike="noStrike" cap="none">
+      <a:defRPr sz="1866" b="0" i="0" u="none" strike="noStrike" cap="none">
         <a:solidFill>
           <a:srgbClr val="000000"/>
         </a:solidFill>
@@ -628,7 +645,7 @@
         <a:srgbClr val="000000"/>
       </a:buClr>
       <a:buFont typeface="Arial"/>
-      <a:defRPr sz="1400" b="0" i="0" u="none" strike="noStrike" cap="none">
+      <a:defRPr sz="1866" b="0" i="0" u="none" strike="noStrike" cap="none">
         <a:solidFill>
           <a:srgbClr val="000000"/>
         </a:solidFill>
@@ -652,7 +669,7 @@
         <a:srgbClr val="000000"/>
       </a:buClr>
       <a:buFont typeface="Arial"/>
-      <a:defRPr sz="1400" b="0" i="0" u="none" strike="noStrike" cap="none">
+      <a:defRPr sz="1866" b="0" i="0" u="none" strike="noStrike" cap="none">
         <a:solidFill>
           <a:srgbClr val="000000"/>
         </a:solidFill>
@@ -676,7 +693,7 @@
         <a:srgbClr val="000000"/>
       </a:buClr>
       <a:buFont typeface="Arial"/>
-      <a:defRPr sz="1400" b="0" i="0" u="none" strike="noStrike" cap="none">
+      <a:defRPr sz="1866" b="0" i="0" u="none" strike="noStrike" cap="none">
         <a:solidFill>
           <a:srgbClr val="000000"/>
         </a:solidFill>
@@ -719,8 +736,8 @@
         </p:nvSpPr>
         <p:spPr>
           <a:xfrm>
-            <a:off x="280530" y="2150850"/>
-            <a:ext cx="7668300" cy="841800"/>
+            <a:off x="415492" y="2867800"/>
+            <a:ext cx="11357486" cy="1122400"/>
           </a:xfrm>
           <a:prstGeom prst="rect">
             <a:avLst/>
@@ -848,8 +865,8 @@
         </p:nvSpPr>
         <p:spPr>
           <a:xfrm>
-            <a:off x="7625212" y="4663217"/>
-            <a:ext cx="493800" cy="393600"/>
+            <a:off x="11293670" y="6217623"/>
+            <a:ext cx="731365" cy="524800"/>
           </a:xfrm>
           <a:prstGeom prst="rect">
             <a:avLst/>
@@ -898,20 +915,12 @@
             </a:lvl9pPr>
           </a:lstStyle>
           <a:p>
-            <a:pPr marL="0" lvl="0" indent="0" algn="r" rtl="0">
-              <a:spcBef>
-                <a:spcPts val="0"/>
-              </a:spcBef>
-              <a:spcAft>
-                <a:spcPts val="0"/>
-              </a:spcAft>
-              <a:buNone/>
-            </a:pPr>
             <a:fld id="{00000000-1234-1234-1234-123412341234}" type="slidenum">
-              <a:rPr lang="en"/>
+              <a:rPr lang="en" smtClean="0"/>
+              <a:pPr/>
               <a:t>‹#›</a:t>
             </a:fld>
-            <a:endParaRPr/>
+            <a:endParaRPr lang="en"/>
           </a:p>
         </p:txBody>
       </p:sp>
@@ -952,8 +961,8 @@
         </p:nvSpPr>
         <p:spPr>
           <a:xfrm>
-            <a:off x="280530" y="445025"/>
-            <a:ext cx="7668300" cy="572700"/>
+            <a:off x="415492" y="593367"/>
+            <a:ext cx="11357486" cy="763600"/>
           </a:xfrm>
           <a:prstGeom prst="rect">
             <a:avLst/>
@@ -1081,8 +1090,8 @@
         </p:nvSpPr>
         <p:spPr>
           <a:xfrm>
-            <a:off x="280530" y="1152475"/>
-            <a:ext cx="3600000" cy="3416400"/>
+            <a:off x="415492" y="1536633"/>
+            <a:ext cx="5331944" cy="4555200"/>
           </a:xfrm>
           <a:prstGeom prst="rect">
             <a:avLst/>
@@ -1210,8 +1219,8 @@
         </p:nvSpPr>
         <p:spPr>
           <a:xfrm>
-            <a:off x="4349160" y="1152475"/>
-            <a:ext cx="3600000" cy="3416400"/>
+            <a:off x="6441522" y="1536633"/>
+            <a:ext cx="5331944" cy="4555200"/>
           </a:xfrm>
           <a:prstGeom prst="rect">
             <a:avLst/>
@@ -1339,8 +1348,8 @@
         </p:nvSpPr>
         <p:spPr>
           <a:xfrm>
-            <a:off x="7625212" y="4663217"/>
-            <a:ext cx="493800" cy="393600"/>
+            <a:off x="11293670" y="6217623"/>
+            <a:ext cx="731365" cy="524800"/>
           </a:xfrm>
           <a:prstGeom prst="rect">
             <a:avLst/>
@@ -1389,20 +1398,12 @@
             </a:lvl9pPr>
           </a:lstStyle>
           <a:p>
-            <a:pPr marL="0" lvl="0" indent="0" algn="r" rtl="0">
-              <a:spcBef>
-                <a:spcPts val="0"/>
-              </a:spcBef>
-              <a:spcAft>
-                <a:spcPts val="0"/>
-              </a:spcAft>
-              <a:buNone/>
-            </a:pPr>
             <a:fld id="{00000000-1234-1234-1234-123412341234}" type="slidenum">
-              <a:rPr lang="en"/>
+              <a:rPr lang="en" smtClean="0"/>
+              <a:pPr/>
               <a:t>‹#›</a:t>
             </a:fld>
-            <a:endParaRPr/>
+            <a:endParaRPr lang="en"/>
           </a:p>
         </p:txBody>
       </p:sp>
@@ -1443,8 +1444,8 @@
         </p:nvSpPr>
         <p:spPr>
           <a:xfrm>
-            <a:off x="280530" y="445025"/>
-            <a:ext cx="7668300" cy="572700"/>
+            <a:off x="415492" y="593367"/>
+            <a:ext cx="11357486" cy="763600"/>
           </a:xfrm>
           <a:prstGeom prst="rect">
             <a:avLst/>
@@ -1572,8 +1573,8 @@
         </p:nvSpPr>
         <p:spPr>
           <a:xfrm>
-            <a:off x="7625212" y="4663217"/>
-            <a:ext cx="493800" cy="393600"/>
+            <a:off x="11293670" y="6217623"/>
+            <a:ext cx="731365" cy="524800"/>
           </a:xfrm>
           <a:prstGeom prst="rect">
             <a:avLst/>
@@ -1622,20 +1623,12 @@
             </a:lvl9pPr>
           </a:lstStyle>
           <a:p>
-            <a:pPr marL="0" lvl="0" indent="0" algn="r" rtl="0">
-              <a:spcBef>
-                <a:spcPts val="0"/>
-              </a:spcBef>
-              <a:spcAft>
-                <a:spcPts val="0"/>
-              </a:spcAft>
-              <a:buNone/>
-            </a:pPr>
             <a:fld id="{00000000-1234-1234-1234-123412341234}" type="slidenum">
-              <a:rPr lang="en"/>
+              <a:rPr lang="en" smtClean="0"/>
+              <a:pPr/>
               <a:t>‹#›</a:t>
             </a:fld>
-            <a:endParaRPr/>
+            <a:endParaRPr lang="en"/>
           </a:p>
         </p:txBody>
       </p:sp>
@@ -1676,8 +1669,8 @@
         </p:nvSpPr>
         <p:spPr>
           <a:xfrm>
-            <a:off x="280530" y="555600"/>
-            <a:ext cx="2527200" cy="755700"/>
+            <a:off x="415492" y="740800"/>
+            <a:ext cx="3743025" cy="1007600"/>
           </a:xfrm>
           <a:prstGeom prst="rect">
             <a:avLst/>
@@ -1805,8 +1798,8 @@
         </p:nvSpPr>
         <p:spPr>
           <a:xfrm>
-            <a:off x="280530" y="1389600"/>
-            <a:ext cx="2527200" cy="3179400"/>
+            <a:off x="415492" y="1852800"/>
+            <a:ext cx="3743025" cy="4239200"/>
           </a:xfrm>
           <a:prstGeom prst="rect">
             <a:avLst/>
@@ -1934,8 +1927,8 @@
         </p:nvSpPr>
         <p:spPr>
           <a:xfrm>
-            <a:off x="7625212" y="4663217"/>
-            <a:ext cx="493800" cy="393600"/>
+            <a:off x="11293670" y="6217623"/>
+            <a:ext cx="731365" cy="524800"/>
           </a:xfrm>
           <a:prstGeom prst="rect">
             <a:avLst/>
@@ -1984,20 +1977,12 @@
             </a:lvl9pPr>
           </a:lstStyle>
           <a:p>
-            <a:pPr marL="0" lvl="0" indent="0" algn="r" rtl="0">
-              <a:spcBef>
-                <a:spcPts val="0"/>
-              </a:spcBef>
-              <a:spcAft>
-                <a:spcPts val="0"/>
-              </a:spcAft>
-              <a:buNone/>
-            </a:pPr>
             <a:fld id="{00000000-1234-1234-1234-123412341234}" type="slidenum">
-              <a:rPr lang="en"/>
+              <a:rPr lang="en" smtClean="0"/>
+              <a:pPr/>
               <a:t>‹#›</a:t>
             </a:fld>
-            <a:endParaRPr/>
+            <a:endParaRPr lang="en"/>
           </a:p>
         </p:txBody>
       </p:sp>
@@ -2038,8 +2023,8 @@
         </p:nvSpPr>
         <p:spPr>
           <a:xfrm>
-            <a:off x="441225" y="450150"/>
-            <a:ext cx="5730900" cy="4090800"/>
+            <a:off x="653497" y="600200"/>
+            <a:ext cx="8488012" cy="5454400"/>
           </a:xfrm>
           <a:prstGeom prst="rect">
             <a:avLst/>
@@ -2167,8 +2152,8 @@
         </p:nvSpPr>
         <p:spPr>
           <a:xfrm>
-            <a:off x="7625212" y="4663217"/>
-            <a:ext cx="493800" cy="393600"/>
+            <a:off x="11293670" y="6217623"/>
+            <a:ext cx="731365" cy="524800"/>
           </a:xfrm>
           <a:prstGeom prst="rect">
             <a:avLst/>
@@ -2217,20 +2202,12 @@
             </a:lvl9pPr>
           </a:lstStyle>
           <a:p>
-            <a:pPr marL="0" lvl="0" indent="0" algn="r" rtl="0">
-              <a:spcBef>
-                <a:spcPts val="0"/>
-              </a:spcBef>
-              <a:spcAft>
-                <a:spcPts val="0"/>
-              </a:spcAft>
-              <a:buNone/>
-            </a:pPr>
             <a:fld id="{00000000-1234-1234-1234-123412341234}" type="slidenum">
-              <a:rPr lang="en"/>
+              <a:rPr lang="en" smtClean="0"/>
+              <a:pPr/>
               <a:t>‹#›</a:t>
             </a:fld>
-            <a:endParaRPr/>
+            <a:endParaRPr lang="en"/>
           </a:p>
         </p:txBody>
       </p:sp>
@@ -2267,8 +2244,8 @@
         </p:nvSpPr>
         <p:spPr>
           <a:xfrm>
-            <a:off x="4114800" y="-125"/>
-            <a:ext cx="4114800" cy="5143500"/>
+            <a:off x="6094412" y="-167"/>
+            <a:ext cx="6094413" cy="6858000"/>
           </a:xfrm>
           <a:prstGeom prst="rect">
             <a:avLst/>
@@ -2295,7 +2272,7 @@
               </a:spcAft>
               <a:buNone/>
             </a:pPr>
-            <a:endParaRPr/>
+            <a:endParaRPr sz="1400"/>
           </a:p>
         </p:txBody>
       </p:sp>
@@ -2311,8 +2288,8 @@
         </p:nvSpPr>
         <p:spPr>
           <a:xfrm>
-            <a:off x="238950" y="1233175"/>
-            <a:ext cx="3640800" cy="1482300"/>
+            <a:off x="353908" y="1644233"/>
+            <a:ext cx="5392373" cy="1976400"/>
           </a:xfrm>
           <a:prstGeom prst="rect">
             <a:avLst/>
@@ -2440,8 +2417,8 @@
         </p:nvSpPr>
         <p:spPr>
           <a:xfrm>
-            <a:off x="238950" y="2803075"/>
-            <a:ext cx="3640800" cy="1235100"/>
+            <a:off x="353908" y="3737433"/>
+            <a:ext cx="5392373" cy="1646800"/>
           </a:xfrm>
           <a:prstGeom prst="rect">
             <a:avLst/>
@@ -2596,8 +2573,8 @@
         </p:nvSpPr>
         <p:spPr>
           <a:xfrm>
-            <a:off x="4445550" y="724075"/>
-            <a:ext cx="3453300" cy="3695100"/>
+            <a:off x="6584285" y="965433"/>
+            <a:ext cx="5114668" cy="4926800"/>
           </a:xfrm>
           <a:prstGeom prst="rect">
             <a:avLst/>
@@ -2725,8 +2702,8 @@
         </p:nvSpPr>
         <p:spPr>
           <a:xfrm>
-            <a:off x="7625212" y="4663217"/>
-            <a:ext cx="493800" cy="393600"/>
+            <a:off x="11293670" y="6217623"/>
+            <a:ext cx="731365" cy="524800"/>
           </a:xfrm>
           <a:prstGeom prst="rect">
             <a:avLst/>
@@ -2775,20 +2752,12 @@
             </a:lvl9pPr>
           </a:lstStyle>
           <a:p>
-            <a:pPr marL="0" lvl="0" indent="0" algn="r" rtl="0">
-              <a:spcBef>
-                <a:spcPts val="0"/>
-              </a:spcBef>
-              <a:spcAft>
-                <a:spcPts val="0"/>
-              </a:spcAft>
-              <a:buNone/>
-            </a:pPr>
             <a:fld id="{00000000-1234-1234-1234-123412341234}" type="slidenum">
-              <a:rPr lang="en"/>
+              <a:rPr lang="en" smtClean="0"/>
+              <a:pPr/>
               <a:t>‹#›</a:t>
             </a:fld>
-            <a:endParaRPr/>
+            <a:endParaRPr lang="en"/>
           </a:p>
         </p:txBody>
       </p:sp>
@@ -2829,8 +2798,8 @@
         </p:nvSpPr>
         <p:spPr>
           <a:xfrm>
-            <a:off x="280530" y="4230575"/>
-            <a:ext cx="5398800" cy="605100"/>
+            <a:off x="415492" y="5640767"/>
+            <a:ext cx="7996140" cy="806800"/>
           </a:xfrm>
           <a:prstGeom prst="rect">
             <a:avLst/>
@@ -2873,8 +2842,8 @@
         </p:nvSpPr>
         <p:spPr>
           <a:xfrm>
-            <a:off x="7625212" y="4663217"/>
-            <a:ext cx="493800" cy="393600"/>
+            <a:off x="11293670" y="6217623"/>
+            <a:ext cx="731365" cy="524800"/>
           </a:xfrm>
           <a:prstGeom prst="rect">
             <a:avLst/>
@@ -2923,20 +2892,12 @@
             </a:lvl9pPr>
           </a:lstStyle>
           <a:p>
-            <a:pPr marL="0" lvl="0" indent="0" algn="r" rtl="0">
-              <a:spcBef>
-                <a:spcPts val="0"/>
-              </a:spcBef>
-              <a:spcAft>
-                <a:spcPts val="0"/>
-              </a:spcAft>
-              <a:buNone/>
-            </a:pPr>
             <a:fld id="{00000000-1234-1234-1234-123412341234}" type="slidenum">
-              <a:rPr lang="en"/>
+              <a:rPr lang="en" smtClean="0"/>
+              <a:pPr/>
               <a:t>‹#›</a:t>
             </a:fld>
-            <a:endParaRPr/>
+            <a:endParaRPr lang="en"/>
           </a:p>
         </p:txBody>
       </p:sp>
@@ -2977,8 +2938,8 @@
         </p:nvSpPr>
         <p:spPr>
           <a:xfrm>
-            <a:off x="280530" y="1106125"/>
-            <a:ext cx="7668300" cy="1963500"/>
+            <a:off x="415492" y="1474833"/>
+            <a:ext cx="11357486" cy="2618000"/>
           </a:xfrm>
           <a:prstGeom prst="rect">
             <a:avLst/>
@@ -3108,8 +3069,8 @@
         </p:nvSpPr>
         <p:spPr>
           <a:xfrm>
-            <a:off x="280530" y="3152225"/>
-            <a:ext cx="7668300" cy="1300800"/>
+            <a:off x="415492" y="4202967"/>
+            <a:ext cx="11357486" cy="1734400"/>
           </a:xfrm>
           <a:prstGeom prst="rect">
             <a:avLst/>
@@ -3237,8 +3198,8 @@
         </p:nvSpPr>
         <p:spPr>
           <a:xfrm>
-            <a:off x="7625212" y="4663217"/>
-            <a:ext cx="493800" cy="393600"/>
+            <a:off x="11293670" y="6217623"/>
+            <a:ext cx="731365" cy="524800"/>
           </a:xfrm>
           <a:prstGeom prst="rect">
             <a:avLst/>
@@ -3287,20 +3248,12 @@
             </a:lvl9pPr>
           </a:lstStyle>
           <a:p>
-            <a:pPr marL="0" lvl="0" indent="0" algn="r" rtl="0">
-              <a:spcBef>
-                <a:spcPts val="0"/>
-              </a:spcBef>
-              <a:spcAft>
-                <a:spcPts val="0"/>
-              </a:spcAft>
-              <a:buNone/>
-            </a:pPr>
             <a:fld id="{00000000-1234-1234-1234-123412341234}" type="slidenum">
-              <a:rPr lang="en"/>
+              <a:rPr lang="en" smtClean="0"/>
+              <a:pPr/>
               <a:t>‹#›</a:t>
             </a:fld>
-            <a:endParaRPr/>
+            <a:endParaRPr lang="en"/>
           </a:p>
         </p:txBody>
       </p:sp>
@@ -3341,8 +3294,8 @@
         </p:nvSpPr>
         <p:spPr>
           <a:xfrm>
-            <a:off x="7625212" y="4663217"/>
-            <a:ext cx="493800" cy="393600"/>
+            <a:off x="11293670" y="6217623"/>
+            <a:ext cx="731365" cy="524800"/>
           </a:xfrm>
           <a:prstGeom prst="rect">
             <a:avLst/>
@@ -3391,20 +3344,12 @@
             </a:lvl9pPr>
           </a:lstStyle>
           <a:p>
-            <a:pPr marL="0" lvl="0" indent="0" algn="r" rtl="0">
-              <a:spcBef>
-                <a:spcPts val="0"/>
-              </a:spcBef>
-              <a:spcAft>
-                <a:spcPts val="0"/>
-              </a:spcAft>
-              <a:buNone/>
-            </a:pPr>
             <a:fld id="{00000000-1234-1234-1234-123412341234}" type="slidenum">
-              <a:rPr lang="en"/>
+              <a:rPr lang="en" smtClean="0"/>
+              <a:pPr/>
               <a:t>‹#›</a:t>
             </a:fld>
-            <a:endParaRPr/>
+            <a:endParaRPr lang="en"/>
           </a:p>
         </p:txBody>
       </p:sp>
@@ -3453,8 +3398,8 @@
         </p:nvSpPr>
         <p:spPr>
           <a:xfrm>
-            <a:off x="280530" y="445025"/>
-            <a:ext cx="7668300" cy="572700"/>
+            <a:off x="415492" y="593367"/>
+            <a:ext cx="11357486" cy="763600"/>
           </a:xfrm>
           <a:prstGeom prst="rect">
             <a:avLst/>
@@ -3649,8 +3594,8 @@
         </p:nvSpPr>
         <p:spPr>
           <a:xfrm>
-            <a:off x="280530" y="1152475"/>
-            <a:ext cx="7668300" cy="3416400"/>
+            <a:off x="415492" y="1536633"/>
+            <a:ext cx="11357486" cy="4555200"/>
           </a:xfrm>
           <a:prstGeom prst="rect">
             <a:avLst/>
@@ -3872,8 +3817,8 @@
         </p:nvSpPr>
         <p:spPr>
           <a:xfrm>
-            <a:off x="7625212" y="4663217"/>
-            <a:ext cx="493800" cy="393600"/>
+            <a:off x="11293670" y="6217623"/>
+            <a:ext cx="731365" cy="524800"/>
           </a:xfrm>
           <a:prstGeom prst="rect">
             <a:avLst/>
@@ -3962,20 +3907,12 @@
             </a:lvl9pPr>
           </a:lstStyle>
           <a:p>
-            <a:pPr marL="0" lvl="0" indent="0" algn="r" rtl="0">
-              <a:spcBef>
-                <a:spcPts val="0"/>
-              </a:spcBef>
-              <a:spcAft>
-                <a:spcPts val="0"/>
-              </a:spcAft>
-              <a:buNone/>
-            </a:pPr>
             <a:fld id="{00000000-1234-1234-1234-123412341234}" type="slidenum">
-              <a:rPr lang="en"/>
+              <a:rPr lang="en" smtClean="0"/>
+              <a:pPr/>
               <a:t>‹#›</a:t>
             </a:fld>
-            <a:endParaRPr/>
+            <a:endParaRPr lang="en"/>
           </a:p>
         </p:txBody>
       </p:sp>
@@ -4705,14 +4642,228 @@
       </p:grpSpPr>
       <p:sp>
         <p:nvSpPr>
-          <p:cNvPr id="3" name="Rectangle 2"/>
+          <p:cNvPr id="237" name="TextBox 236">
+            <a:extLst>
+              <a:ext uri="{FF2B5EF4-FFF2-40B4-BE49-F238E27FC236}">
+                <a16:creationId xmlns:a16="http://schemas.microsoft.com/office/drawing/2014/main" id="{1E9B501F-A613-4CC6-8F9F-29EE466540AE}"/>
+              </a:ext>
+            </a:extLst>
+          </p:cNvPr>
+          <p:cNvSpPr txBox="1"/>
+          <p:nvPr/>
+        </p:nvSpPr>
+        <p:spPr>
+          <a:xfrm>
+            <a:off x="531808" y="284402"/>
+            <a:ext cx="1380664" cy="577081"/>
+          </a:xfrm>
+          <a:prstGeom prst="rect">
+            <a:avLst/>
+          </a:prstGeom>
+          <a:noFill/>
+        </p:spPr>
+        <p:txBody>
+          <a:bodyPr wrap="square" rtlCol="0">
+            <a:spAutoFit/>
+          </a:bodyPr>
+          <a:lstStyle/>
+          <a:p>
+            <a:pPr algn="ctr"/>
+            <a:r>
+              <a:rPr lang="en-US" sz="1050" i="1" dirty="0"/>
+              <a:t>API4KP </a:t>
+            </a:r>
+            <a:br>
+              <a:rPr lang="en-US" sz="1050" i="1" dirty="0"/>
+            </a:br>
+            <a:r>
+              <a:rPr lang="en-US" sz="1050" i="1" dirty="0"/>
+              <a:t>Knowledge </a:t>
+            </a:r>
+            <a:br>
+              <a:rPr lang="en-US" sz="1050" i="1" dirty="0"/>
+            </a:br>
+            <a:r>
+              <a:rPr lang="en-US" sz="1050" i="1" dirty="0"/>
+              <a:t>Assets</a:t>
+            </a:r>
+          </a:p>
+        </p:txBody>
+      </p:sp>
+      <p:sp>
+        <p:nvSpPr>
+          <p:cNvPr id="238" name="TextBox 237">
+            <a:extLst>
+              <a:ext uri="{FF2B5EF4-FFF2-40B4-BE49-F238E27FC236}">
+                <a16:creationId xmlns:a16="http://schemas.microsoft.com/office/drawing/2014/main" id="{4C25D0F3-7295-4BAA-967B-088611549C53}"/>
+              </a:ext>
+            </a:extLst>
+          </p:cNvPr>
+          <p:cNvSpPr txBox="1"/>
+          <p:nvPr/>
+        </p:nvSpPr>
+        <p:spPr>
+          <a:xfrm>
+            <a:off x="3243223" y="271628"/>
+            <a:ext cx="1325553" cy="577081"/>
+          </a:xfrm>
+          <a:prstGeom prst="rect">
+            <a:avLst/>
+          </a:prstGeom>
+          <a:noFill/>
+        </p:spPr>
+        <p:txBody>
+          <a:bodyPr wrap="square" rtlCol="0">
+            <a:spAutoFit/>
+          </a:bodyPr>
+          <a:lstStyle/>
+          <a:p>
+            <a:pPr algn="ctr"/>
+            <a:r>
+              <a:rPr lang="en-US" sz="1050" i="1" dirty="0"/>
+              <a:t>API4KP </a:t>
+            </a:r>
+            <a:br>
+              <a:rPr lang="en-US" sz="1050" i="1" dirty="0"/>
+            </a:br>
+            <a:r>
+              <a:rPr lang="en-US" sz="1050" i="1" dirty="0" err="1"/>
+              <a:t>MetaModeling</a:t>
+            </a:r>
+            <a:r>
+              <a:rPr lang="en-US" sz="1050" i="1" dirty="0"/>
+              <a:t> </a:t>
+            </a:r>
+            <a:br>
+              <a:rPr lang="en-US" sz="1050" i="1" dirty="0"/>
+            </a:br>
+            <a:r>
+              <a:rPr lang="en-US" sz="1050" i="1" dirty="0"/>
+              <a:t>Languages</a:t>
+            </a:r>
+          </a:p>
+        </p:txBody>
+      </p:sp>
+      <p:sp>
+        <p:nvSpPr>
+          <p:cNvPr id="239" name="TextBox 238">
+            <a:extLst>
+              <a:ext uri="{FF2B5EF4-FFF2-40B4-BE49-F238E27FC236}">
+                <a16:creationId xmlns:a16="http://schemas.microsoft.com/office/drawing/2014/main" id="{2F9AAFAB-CD75-4323-BA6F-155247ACA902}"/>
+              </a:ext>
+            </a:extLst>
+          </p:cNvPr>
+          <p:cNvSpPr txBox="1"/>
+          <p:nvPr/>
+        </p:nvSpPr>
+        <p:spPr>
+          <a:xfrm>
+            <a:off x="5767921" y="271627"/>
+            <a:ext cx="1147977" cy="577081"/>
+          </a:xfrm>
+          <a:prstGeom prst="rect">
+            <a:avLst/>
+          </a:prstGeom>
+          <a:noFill/>
+        </p:spPr>
+        <p:txBody>
+          <a:bodyPr wrap="square" rtlCol="0">
+            <a:spAutoFit/>
+          </a:bodyPr>
+          <a:lstStyle/>
+          <a:p>
+            <a:pPr algn="ctr"/>
+            <a:r>
+              <a:rPr lang="en-US" sz="1050" i="1" dirty="0"/>
+              <a:t>API4KP </a:t>
+            </a:r>
+            <a:br>
+              <a:rPr lang="en-US" sz="1050" i="1" dirty="0"/>
+            </a:br>
+            <a:r>
+              <a:rPr lang="en-US" sz="1050" i="1" dirty="0" err="1"/>
+              <a:t>MetaModeling</a:t>
+            </a:r>
+            <a:r>
+              <a:rPr lang="en-US" sz="1050" i="1" dirty="0"/>
+              <a:t> </a:t>
+            </a:r>
+            <a:br>
+              <a:rPr lang="en-US" sz="1050" i="1" dirty="0"/>
+            </a:br>
+            <a:r>
+              <a:rPr lang="en-US" sz="1050" i="1" dirty="0"/>
+              <a:t>Profiles</a:t>
+            </a:r>
+          </a:p>
+        </p:txBody>
+      </p:sp>
+      <p:sp>
+        <p:nvSpPr>
+          <p:cNvPr id="240" name="TextBox 239">
+            <a:extLst>
+              <a:ext uri="{FF2B5EF4-FFF2-40B4-BE49-F238E27FC236}">
+                <a16:creationId xmlns:a16="http://schemas.microsoft.com/office/drawing/2014/main" id="{DD0DB22A-3FA0-460A-AE20-0D78732CD467}"/>
+              </a:ext>
+            </a:extLst>
+          </p:cNvPr>
+          <p:cNvSpPr txBox="1"/>
+          <p:nvPr/>
+        </p:nvSpPr>
+        <p:spPr>
+          <a:xfrm>
+            <a:off x="9442235" y="290677"/>
+            <a:ext cx="1147977" cy="577081"/>
+          </a:xfrm>
+          <a:prstGeom prst="rect">
+            <a:avLst/>
+          </a:prstGeom>
+          <a:noFill/>
+        </p:spPr>
+        <p:txBody>
+          <a:bodyPr wrap="square" rtlCol="0">
+            <a:spAutoFit/>
+          </a:bodyPr>
+          <a:lstStyle/>
+          <a:p>
+            <a:pPr algn="ctr"/>
+            <a:r>
+              <a:rPr lang="en-US" sz="1050" i="1" dirty="0"/>
+              <a:t>API4KP </a:t>
+            </a:r>
+            <a:br>
+              <a:rPr lang="en-US" sz="1050" i="1" dirty="0"/>
+            </a:br>
+            <a:r>
+              <a:rPr lang="en-US" sz="1050" i="1" dirty="0"/>
+              <a:t>Meta </a:t>
+            </a:r>
+            <a:br>
+              <a:rPr lang="en-US" sz="1050" i="1" dirty="0"/>
+            </a:br>
+            <a:r>
+              <a:rPr lang="en-US" sz="1050" i="1" dirty="0"/>
+              <a:t>Formats</a:t>
+            </a:r>
+          </a:p>
+        </p:txBody>
+      </p:sp>
+      <p:sp>
+        <p:nvSpPr>
+          <p:cNvPr id="241" name="Rectangle 240">
+            <a:extLst>
+              <a:ext uri="{FF2B5EF4-FFF2-40B4-BE49-F238E27FC236}">
+                <a16:creationId xmlns:a16="http://schemas.microsoft.com/office/drawing/2014/main" id="{29E5C15D-5093-4E1F-81D6-1219C32AB9D8}"/>
+              </a:ext>
+            </a:extLst>
+          </p:cNvPr>
           <p:cNvSpPr/>
           <p:nvPr/>
         </p:nvSpPr>
         <p:spPr>
           <a:xfrm>
-            <a:off x="609600" y="590550"/>
-            <a:ext cx="990600" cy="533400"/>
+            <a:off x="576570" y="1767386"/>
+            <a:ext cx="1280893" cy="529140"/>
           </a:xfrm>
           <a:prstGeom prst="rect">
             <a:avLst/>
@@ -4738,39 +4889,3533 @@
           <a:p>
             <a:pPr algn="ctr"/>
             <a:r>
-              <a:rPr lang="en-US" sz="400" dirty="0" smtClean="0"/>
-              <a:t/>
+              <a:rPr lang="en-US" sz="1100" dirty="0"/>
+              <a:t>Operation</a:t>
             </a:r>
             <a:br>
-              <a:rPr lang="en-US" sz="400" dirty="0" smtClean="0"/>
+              <a:rPr lang="en-US" sz="1100" dirty="0"/>
             </a:br>
             <a:r>
-              <a:rPr lang="en-US" sz="900" dirty="0" smtClean="0"/>
+              <a:rPr lang="en-US" sz="1100" dirty="0"/>
+              <a:t>Interface Specification</a:t>
+            </a:r>
+          </a:p>
+        </p:txBody>
+      </p:sp>
+      <p:sp>
+        <p:nvSpPr>
+          <p:cNvPr id="242" name="Rectangle 241">
+            <a:extLst>
+              <a:ext uri="{FF2B5EF4-FFF2-40B4-BE49-F238E27FC236}">
+                <a16:creationId xmlns:a16="http://schemas.microsoft.com/office/drawing/2014/main" id="{CDE09C23-227C-4AB7-A887-BDDFE4F80259}"/>
+              </a:ext>
+            </a:extLst>
+          </p:cNvPr>
+          <p:cNvSpPr/>
+          <p:nvPr/>
+        </p:nvSpPr>
+        <p:spPr>
+          <a:xfrm>
+            <a:off x="576570" y="3602445"/>
+            <a:ext cx="1280893" cy="529140"/>
+          </a:xfrm>
+          <a:prstGeom prst="rect">
+            <a:avLst/>
+          </a:prstGeom>
+        </p:spPr>
+        <p:style>
+          <a:lnRef idx="2">
+            <a:schemeClr val="dk1"/>
+          </a:lnRef>
+          <a:fillRef idx="1">
+            <a:schemeClr val="lt1"/>
+          </a:fillRef>
+          <a:effectRef idx="0">
+            <a:schemeClr val="dk1"/>
+          </a:effectRef>
+          <a:fontRef idx="minor">
+            <a:schemeClr val="dk1"/>
+          </a:fontRef>
+        </p:style>
+        <p:txBody>
+          <a:bodyPr rtlCol="0" anchor="ctr"/>
+          <a:lstStyle/>
+          <a:p>
+            <a:pPr algn="ctr"/>
+            <a:r>
+              <a:rPr lang="en-US" sz="1100" dirty="0"/>
+              <a:t>Resource Model </a:t>
+            </a:r>
+            <a:br>
+              <a:rPr lang="en-US" sz="1100" dirty="0"/>
+            </a:br>
+            <a:r>
+              <a:rPr lang="en-US" sz="1100" dirty="0"/>
+              <a:t>Data Type</a:t>
+            </a:r>
+          </a:p>
+        </p:txBody>
+      </p:sp>
+      <p:sp>
+        <p:nvSpPr>
+          <p:cNvPr id="243" name="Rectangle 242">
+            <a:extLst>
+              <a:ext uri="{FF2B5EF4-FFF2-40B4-BE49-F238E27FC236}">
+                <a16:creationId xmlns:a16="http://schemas.microsoft.com/office/drawing/2014/main" id="{7D984200-A959-4F53-A9CD-FEA4B87B7674}"/>
+              </a:ext>
+            </a:extLst>
+          </p:cNvPr>
+          <p:cNvSpPr/>
+          <p:nvPr/>
+        </p:nvSpPr>
+        <p:spPr>
+          <a:xfrm>
+            <a:off x="576570" y="5170804"/>
+            <a:ext cx="1280893" cy="529140"/>
+          </a:xfrm>
+          <a:prstGeom prst="rect">
+            <a:avLst/>
+          </a:prstGeom>
+        </p:spPr>
+        <p:style>
+          <a:lnRef idx="2">
+            <a:schemeClr val="dk1"/>
+          </a:lnRef>
+          <a:fillRef idx="1">
+            <a:schemeClr val="lt1"/>
+          </a:fillRef>
+          <a:effectRef idx="0">
+            <a:schemeClr val="dk1"/>
+          </a:effectRef>
+          <a:fontRef idx="minor">
+            <a:schemeClr val="dk1"/>
+          </a:fontRef>
+        </p:style>
+        <p:txBody>
+          <a:bodyPr rtlCol="0" anchor="ctr"/>
+          <a:lstStyle/>
+          <a:p>
+            <a:pPr algn="ctr"/>
+            <a:r>
+              <a:rPr lang="en-US" sz="1100" dirty="0"/>
+              <a:t>Controlled Terminology</a:t>
+            </a:r>
+          </a:p>
+        </p:txBody>
+      </p:sp>
+      <p:sp>
+        <p:nvSpPr>
+          <p:cNvPr id="244" name="Rectangle 243">
+            <a:extLst>
+              <a:ext uri="{FF2B5EF4-FFF2-40B4-BE49-F238E27FC236}">
+                <a16:creationId xmlns:a16="http://schemas.microsoft.com/office/drawing/2014/main" id="{760A2CD6-CC21-4A7E-B1DE-DBD55DE79345}"/>
+              </a:ext>
+            </a:extLst>
+          </p:cNvPr>
+          <p:cNvSpPr/>
+          <p:nvPr/>
+        </p:nvSpPr>
+        <p:spPr>
+          <a:xfrm>
+            <a:off x="576570" y="6269551"/>
+            <a:ext cx="1280893" cy="529140"/>
+          </a:xfrm>
+          <a:prstGeom prst="rect">
+            <a:avLst/>
+          </a:prstGeom>
+        </p:spPr>
+        <p:style>
+          <a:lnRef idx="2">
+            <a:schemeClr val="dk1"/>
+          </a:lnRef>
+          <a:fillRef idx="1">
+            <a:schemeClr val="lt1"/>
+          </a:fillRef>
+          <a:effectRef idx="0">
+            <a:schemeClr val="dk1"/>
+          </a:effectRef>
+          <a:fontRef idx="minor">
+            <a:schemeClr val="dk1"/>
+          </a:fontRef>
+        </p:style>
+        <p:txBody>
+          <a:bodyPr rtlCol="0" anchor="ctr"/>
+          <a:lstStyle/>
+          <a:p>
+            <a:pPr algn="ctr"/>
+            <a:r>
+              <a:rPr lang="en-US" sz="1100" dirty="0"/>
+              <a:t>Formal Ontology</a:t>
+            </a:r>
+          </a:p>
+        </p:txBody>
+      </p:sp>
+      <p:cxnSp>
+        <p:nvCxnSpPr>
+          <p:cNvPr id="245" name="Straight Arrow Connector 244">
+            <a:extLst>
+              <a:ext uri="{FF2B5EF4-FFF2-40B4-BE49-F238E27FC236}">
+                <a16:creationId xmlns:a16="http://schemas.microsoft.com/office/drawing/2014/main" id="{6D686EEA-F68A-425F-8E39-240CDD973D3C}"/>
+              </a:ext>
+            </a:extLst>
+          </p:cNvPr>
+          <p:cNvCxnSpPr>
+            <a:stCxn id="244" idx="0"/>
+            <a:endCxn id="243" idx="2"/>
+          </p:cNvCxnSpPr>
+          <p:nvPr/>
+        </p:nvCxnSpPr>
+        <p:spPr>
+          <a:xfrm flipV="1">
+            <a:off x="1217017" y="5699944"/>
+            <a:ext cx="0" cy="569607"/>
+          </a:xfrm>
+          <a:prstGeom prst="straightConnector1">
+            <a:avLst/>
+          </a:prstGeom>
+          <a:ln>
+            <a:solidFill>
+              <a:schemeClr val="tx1"/>
+            </a:solidFill>
+            <a:tailEnd type="triangle"/>
+          </a:ln>
+        </p:spPr>
+        <p:style>
+          <a:lnRef idx="1">
+            <a:schemeClr val="accent1"/>
+          </a:lnRef>
+          <a:fillRef idx="0">
+            <a:schemeClr val="accent1"/>
+          </a:fillRef>
+          <a:effectRef idx="0">
+            <a:schemeClr val="accent1"/>
+          </a:effectRef>
+          <a:fontRef idx="minor">
+            <a:schemeClr val="tx1"/>
+          </a:fontRef>
+        </p:style>
+      </p:cxnSp>
+      <p:cxnSp>
+        <p:nvCxnSpPr>
+          <p:cNvPr id="246" name="Connector: Curved 245">
+            <a:extLst>
+              <a:ext uri="{FF2B5EF4-FFF2-40B4-BE49-F238E27FC236}">
+                <a16:creationId xmlns:a16="http://schemas.microsoft.com/office/drawing/2014/main" id="{1911680C-255C-4A05-854A-49661AA257F5}"/>
+              </a:ext>
+            </a:extLst>
+          </p:cNvPr>
+          <p:cNvCxnSpPr>
+            <a:stCxn id="244" idx="1"/>
+            <a:endCxn id="241" idx="1"/>
+          </p:cNvCxnSpPr>
+          <p:nvPr/>
+        </p:nvCxnSpPr>
+        <p:spPr>
+          <a:xfrm rot="10800000">
+            <a:off x="576570" y="2031957"/>
+            <a:ext cx="12700" cy="4502165"/>
+          </a:xfrm>
+          <a:prstGeom prst="curvedConnector3">
+            <a:avLst>
+              <a:gd name="adj1" fmla="val 2690724"/>
+            </a:avLst>
+          </a:prstGeom>
+          <a:ln>
+            <a:solidFill>
+              <a:schemeClr val="tx1"/>
+            </a:solidFill>
+            <a:tailEnd type="triangle"/>
+          </a:ln>
+        </p:spPr>
+        <p:style>
+          <a:lnRef idx="1">
+            <a:schemeClr val="accent1"/>
+          </a:lnRef>
+          <a:fillRef idx="0">
+            <a:schemeClr val="accent1"/>
+          </a:fillRef>
+          <a:effectRef idx="0">
+            <a:schemeClr val="accent1"/>
+          </a:effectRef>
+          <a:fontRef idx="minor">
+            <a:schemeClr val="tx1"/>
+          </a:fontRef>
+        </p:style>
+      </p:cxnSp>
+      <p:sp>
+        <p:nvSpPr>
+          <p:cNvPr id="247" name="TextBox 246">
+            <a:extLst>
+              <a:ext uri="{FF2B5EF4-FFF2-40B4-BE49-F238E27FC236}">
+                <a16:creationId xmlns:a16="http://schemas.microsoft.com/office/drawing/2014/main" id="{7BE588B0-23A6-46AC-9ABE-39AC1B99CF95}"/>
+              </a:ext>
+            </a:extLst>
+          </p:cNvPr>
+          <p:cNvSpPr txBox="1"/>
+          <p:nvPr/>
+        </p:nvSpPr>
+        <p:spPr>
+          <a:xfrm>
+            <a:off x="1258130" y="5828809"/>
+            <a:ext cx="900321" cy="415498"/>
+          </a:xfrm>
+          <a:prstGeom prst="rect">
+            <a:avLst/>
+          </a:prstGeom>
+          <a:noFill/>
+        </p:spPr>
+        <p:txBody>
+          <a:bodyPr wrap="square" rtlCol="0">
+            <a:spAutoFit/>
+          </a:bodyPr>
+          <a:lstStyle/>
+          <a:p>
+            <a:pPr algn="ctr"/>
+            <a:r>
+              <a:rPr lang="en-US" sz="1050" i="1" dirty="0" err="1"/>
+              <a:t>derivedFrom</a:t>
+            </a:r>
+            <a:endParaRPr lang="en-US" sz="1050" i="1" dirty="0"/>
+          </a:p>
+        </p:txBody>
+      </p:sp>
+      <p:sp>
+        <p:nvSpPr>
+          <p:cNvPr id="248" name="TextBox 247">
+            <a:extLst>
+              <a:ext uri="{FF2B5EF4-FFF2-40B4-BE49-F238E27FC236}">
+                <a16:creationId xmlns:a16="http://schemas.microsoft.com/office/drawing/2014/main" id="{3E2A7109-CC77-446E-8ACE-EF20895F52DC}"/>
+              </a:ext>
+            </a:extLst>
+          </p:cNvPr>
+          <p:cNvSpPr txBox="1"/>
+          <p:nvPr/>
+        </p:nvSpPr>
+        <p:spPr>
+          <a:xfrm>
+            <a:off x="-121944" y="5846247"/>
+            <a:ext cx="992771" cy="276999"/>
+          </a:xfrm>
+          <a:prstGeom prst="rect">
+            <a:avLst/>
+          </a:prstGeom>
+          <a:noFill/>
+        </p:spPr>
+        <p:txBody>
+          <a:bodyPr wrap="square" rtlCol="0">
+            <a:spAutoFit/>
+          </a:bodyPr>
+          <a:lstStyle/>
+          <a:p>
+            <a:pPr algn="ctr"/>
+            <a:r>
+              <a:rPr lang="en-US" sz="1200" i="1" dirty="0"/>
+              <a:t>defines</a:t>
+            </a:r>
+          </a:p>
+        </p:txBody>
+      </p:sp>
+      <p:cxnSp>
+        <p:nvCxnSpPr>
+          <p:cNvPr id="249" name="Straight Arrow Connector 248">
+            <a:extLst>
+              <a:ext uri="{FF2B5EF4-FFF2-40B4-BE49-F238E27FC236}">
+                <a16:creationId xmlns:a16="http://schemas.microsoft.com/office/drawing/2014/main" id="{4F10F899-869C-4790-9245-19F11CD3D4A6}"/>
+              </a:ext>
+            </a:extLst>
+          </p:cNvPr>
+          <p:cNvCxnSpPr>
+            <a:stCxn id="241" idx="2"/>
+            <a:endCxn id="242" idx="0"/>
+          </p:cNvCxnSpPr>
+          <p:nvPr/>
+        </p:nvCxnSpPr>
+        <p:spPr>
+          <a:xfrm>
+            <a:off x="1217017" y="2296526"/>
+            <a:ext cx="0" cy="1305919"/>
+          </a:xfrm>
+          <a:prstGeom prst="straightConnector1">
+            <a:avLst/>
+          </a:prstGeom>
+          <a:ln>
+            <a:solidFill>
+              <a:schemeClr val="tx1"/>
+            </a:solidFill>
+            <a:tailEnd type="triangle"/>
+          </a:ln>
+        </p:spPr>
+        <p:style>
+          <a:lnRef idx="1">
+            <a:schemeClr val="accent1"/>
+          </a:lnRef>
+          <a:fillRef idx="0">
+            <a:schemeClr val="accent1"/>
+          </a:fillRef>
+          <a:effectRef idx="0">
+            <a:schemeClr val="accent1"/>
+          </a:effectRef>
+          <a:fontRef idx="minor">
+            <a:schemeClr val="tx1"/>
+          </a:fontRef>
+        </p:style>
+      </p:cxnSp>
+      <p:sp>
+        <p:nvSpPr>
+          <p:cNvPr id="250" name="TextBox 249">
+            <a:extLst>
+              <a:ext uri="{FF2B5EF4-FFF2-40B4-BE49-F238E27FC236}">
+                <a16:creationId xmlns:a16="http://schemas.microsoft.com/office/drawing/2014/main" id="{F9F5E7AD-56D1-427F-BD36-84D8F89EEC16}"/>
+              </a:ext>
+            </a:extLst>
+          </p:cNvPr>
+          <p:cNvSpPr txBox="1"/>
+          <p:nvPr/>
+        </p:nvSpPr>
+        <p:spPr>
+          <a:xfrm>
+            <a:off x="387198" y="3004760"/>
+            <a:ext cx="810497" cy="415498"/>
+          </a:xfrm>
+          <a:prstGeom prst="rect">
+            <a:avLst/>
+          </a:prstGeom>
+          <a:noFill/>
+        </p:spPr>
+        <p:txBody>
+          <a:bodyPr wrap="square" rtlCol="0">
+            <a:spAutoFit/>
+          </a:bodyPr>
+          <a:lstStyle/>
+          <a:p>
+            <a:pPr algn="ctr"/>
+            <a:r>
+              <a:rPr lang="en-US" sz="1050" i="1" dirty="0" err="1"/>
+              <a:t>hasInput</a:t>
+            </a:r>
+            <a:br>
+              <a:rPr lang="en-US" sz="1050" i="1" dirty="0"/>
+            </a:br>
+            <a:r>
+              <a:rPr lang="en-US" sz="1050" i="1" dirty="0" err="1"/>
+              <a:t>hasOutput</a:t>
+            </a:r>
+            <a:endParaRPr lang="en-US" sz="1050" i="1" dirty="0"/>
+          </a:p>
+        </p:txBody>
+      </p:sp>
+      <p:sp>
+        <p:nvSpPr>
+          <p:cNvPr id="251" name="TextBox 250">
+            <a:extLst>
+              <a:ext uri="{FF2B5EF4-FFF2-40B4-BE49-F238E27FC236}">
+                <a16:creationId xmlns:a16="http://schemas.microsoft.com/office/drawing/2014/main" id="{CF44DA47-8A71-443E-8484-F7869D67D794}"/>
+              </a:ext>
+            </a:extLst>
+          </p:cNvPr>
+          <p:cNvSpPr txBox="1"/>
+          <p:nvPr/>
+        </p:nvSpPr>
+        <p:spPr>
+          <a:xfrm>
+            <a:off x="300456" y="4251238"/>
+            <a:ext cx="900321" cy="253916"/>
+          </a:xfrm>
+          <a:prstGeom prst="rect">
+            <a:avLst/>
+          </a:prstGeom>
+          <a:noFill/>
+        </p:spPr>
+        <p:txBody>
+          <a:bodyPr wrap="square" rtlCol="0">
+            <a:spAutoFit/>
+          </a:bodyPr>
+          <a:lstStyle/>
+          <a:p>
+            <a:pPr algn="ctr"/>
+            <a:r>
+              <a:rPr lang="en-US" sz="1050" i="1" dirty="0" err="1"/>
+              <a:t>boundTo</a:t>
+            </a:r>
+            <a:endParaRPr lang="en-US" sz="1050" i="1" dirty="0"/>
+          </a:p>
+        </p:txBody>
+      </p:sp>
+      <p:cxnSp>
+        <p:nvCxnSpPr>
+          <p:cNvPr id="252" name="Straight Arrow Connector 251">
+            <a:extLst>
+              <a:ext uri="{FF2B5EF4-FFF2-40B4-BE49-F238E27FC236}">
+                <a16:creationId xmlns:a16="http://schemas.microsoft.com/office/drawing/2014/main" id="{1012AA6F-052D-4FAB-B9E5-5FC98AADC065}"/>
+              </a:ext>
+            </a:extLst>
+          </p:cNvPr>
+          <p:cNvCxnSpPr>
+            <a:cxnSpLocks/>
+            <a:stCxn id="242" idx="2"/>
+            <a:endCxn id="243" idx="0"/>
+          </p:cNvCxnSpPr>
+          <p:nvPr/>
+        </p:nvCxnSpPr>
+        <p:spPr>
+          <a:xfrm>
+            <a:off x="1217017" y="4131585"/>
+            <a:ext cx="0" cy="1039219"/>
+          </a:xfrm>
+          <a:prstGeom prst="straightConnector1">
+            <a:avLst/>
+          </a:prstGeom>
+          <a:ln>
+            <a:solidFill>
+              <a:schemeClr val="tx1"/>
+            </a:solidFill>
+            <a:tailEnd type="triangle"/>
+          </a:ln>
+        </p:spPr>
+        <p:style>
+          <a:lnRef idx="1">
+            <a:schemeClr val="accent1"/>
+          </a:lnRef>
+          <a:fillRef idx="0">
+            <a:schemeClr val="accent1"/>
+          </a:fillRef>
+          <a:effectRef idx="0">
+            <a:schemeClr val="accent1"/>
+          </a:effectRef>
+          <a:fontRef idx="minor">
+            <a:schemeClr val="tx1"/>
+          </a:fontRef>
+        </p:style>
+      </p:cxnSp>
+      <p:sp>
+        <p:nvSpPr>
+          <p:cNvPr id="253" name="Oval 252">
+            <a:extLst>
+              <a:ext uri="{FF2B5EF4-FFF2-40B4-BE49-F238E27FC236}">
+                <a16:creationId xmlns:a16="http://schemas.microsoft.com/office/drawing/2014/main" id="{E6D2F90E-817B-4199-A90C-C5ED6D347D58}"/>
+              </a:ext>
+            </a:extLst>
+          </p:cNvPr>
+          <p:cNvSpPr/>
+          <p:nvPr/>
+        </p:nvSpPr>
+        <p:spPr>
+          <a:xfrm>
+            <a:off x="7835789" y="6424031"/>
+            <a:ext cx="649348" cy="269506"/>
+          </a:xfrm>
+          <a:prstGeom prst="ellipse">
+            <a:avLst/>
+          </a:prstGeom>
+          <a:ln>
+            <a:solidFill>
+              <a:schemeClr val="bg1">
+                <a:lumMod val="65000"/>
+              </a:schemeClr>
+            </a:solidFill>
+          </a:ln>
+        </p:spPr>
+        <p:style>
+          <a:lnRef idx="2">
+            <a:schemeClr val="dk1"/>
+          </a:lnRef>
+          <a:fillRef idx="1">
+            <a:schemeClr val="lt1"/>
+          </a:fillRef>
+          <a:effectRef idx="0">
+            <a:schemeClr val="dk1"/>
+          </a:effectRef>
+          <a:fontRef idx="minor">
+            <a:schemeClr val="dk1"/>
+          </a:fontRef>
+        </p:style>
+        <p:txBody>
+          <a:bodyPr rtlCol="0" anchor="ctr"/>
+          <a:lstStyle/>
+          <a:p>
+            <a:pPr algn="ctr"/>
+            <a:r>
+              <a:rPr lang="en-US" sz="900" dirty="0"/>
+              <a:t>RDF</a:t>
+            </a:r>
+            <a:br>
+              <a:rPr lang="en-US" sz="900" dirty="0"/>
+            </a:br>
+            <a:r>
+              <a:rPr lang="en-US" sz="900" dirty="0"/>
+              <a:t>/XML</a:t>
+            </a:r>
+          </a:p>
+        </p:txBody>
+      </p:sp>
+      <p:sp>
+        <p:nvSpPr>
+          <p:cNvPr id="254" name="Oval 253">
+            <a:extLst>
+              <a:ext uri="{FF2B5EF4-FFF2-40B4-BE49-F238E27FC236}">
+                <a16:creationId xmlns:a16="http://schemas.microsoft.com/office/drawing/2014/main" id="{EFF6C561-5FA7-4980-AB95-1C1644FE984B}"/>
+              </a:ext>
+            </a:extLst>
+          </p:cNvPr>
+          <p:cNvSpPr/>
+          <p:nvPr/>
+        </p:nvSpPr>
+        <p:spPr>
+          <a:xfrm>
+            <a:off x="9665948" y="4903297"/>
+            <a:ext cx="738041" cy="269506"/>
+          </a:xfrm>
+          <a:prstGeom prst="ellipse">
+            <a:avLst/>
+          </a:prstGeom>
+          <a:ln>
+            <a:solidFill>
+              <a:schemeClr val="bg1">
+                <a:lumMod val="65000"/>
+              </a:schemeClr>
+            </a:solidFill>
+          </a:ln>
+        </p:spPr>
+        <p:style>
+          <a:lnRef idx="2">
+            <a:schemeClr val="dk1"/>
+          </a:lnRef>
+          <a:fillRef idx="1">
+            <a:schemeClr val="lt1"/>
+          </a:fillRef>
+          <a:effectRef idx="0">
+            <a:schemeClr val="dk1"/>
+          </a:effectRef>
+          <a:fontRef idx="minor">
+            <a:schemeClr val="dk1"/>
+          </a:fontRef>
+        </p:style>
+        <p:txBody>
+          <a:bodyPr rtlCol="0" anchor="ctr"/>
+          <a:lstStyle/>
+          <a:p>
+            <a:pPr algn="ctr"/>
+            <a:r>
+              <a:rPr lang="en-US" sz="900" dirty="0"/>
+              <a:t>XML</a:t>
+            </a:r>
+          </a:p>
+        </p:txBody>
+      </p:sp>
+      <p:sp>
+        <p:nvSpPr>
+          <p:cNvPr id="255" name="Oval 254">
+            <a:extLst>
+              <a:ext uri="{FF2B5EF4-FFF2-40B4-BE49-F238E27FC236}">
+                <a16:creationId xmlns:a16="http://schemas.microsoft.com/office/drawing/2014/main" id="{DFD04FC3-059E-4DB7-BB91-3E8A0598F8A8}"/>
+              </a:ext>
+            </a:extLst>
+          </p:cNvPr>
+          <p:cNvSpPr/>
+          <p:nvPr/>
+        </p:nvSpPr>
+        <p:spPr>
+          <a:xfrm>
+            <a:off x="9665948" y="2725392"/>
+            <a:ext cx="738041" cy="269506"/>
+          </a:xfrm>
+          <a:prstGeom prst="ellipse">
+            <a:avLst/>
+          </a:prstGeom>
+          <a:ln>
+            <a:solidFill>
+              <a:schemeClr val="bg1">
+                <a:lumMod val="65000"/>
+              </a:schemeClr>
+            </a:solidFill>
+          </a:ln>
+        </p:spPr>
+        <p:style>
+          <a:lnRef idx="2">
+            <a:schemeClr val="dk1"/>
+          </a:lnRef>
+          <a:fillRef idx="1">
+            <a:schemeClr val="lt1"/>
+          </a:fillRef>
+          <a:effectRef idx="0">
+            <a:schemeClr val="dk1"/>
+          </a:effectRef>
+          <a:fontRef idx="minor">
+            <a:schemeClr val="dk1"/>
+          </a:fontRef>
+        </p:style>
+        <p:txBody>
+          <a:bodyPr rtlCol="0" anchor="ctr"/>
+          <a:lstStyle/>
+          <a:p>
+            <a:pPr algn="ctr"/>
+            <a:r>
+              <a:rPr lang="en-US" sz="900" dirty="0"/>
+              <a:t>JSON</a:t>
+            </a:r>
+          </a:p>
+        </p:txBody>
+      </p:sp>
+      <p:sp>
+        <p:nvSpPr>
+          <p:cNvPr id="256" name="Oval 255">
+            <a:extLst>
+              <a:ext uri="{FF2B5EF4-FFF2-40B4-BE49-F238E27FC236}">
+                <a16:creationId xmlns:a16="http://schemas.microsoft.com/office/drawing/2014/main" id="{C8CDC31D-6F3D-47CE-9A50-5BD602E326B5}"/>
+              </a:ext>
+            </a:extLst>
+          </p:cNvPr>
+          <p:cNvSpPr/>
+          <p:nvPr/>
+        </p:nvSpPr>
+        <p:spPr>
+          <a:xfrm>
+            <a:off x="9665948" y="2279622"/>
+            <a:ext cx="738041" cy="269506"/>
+          </a:xfrm>
+          <a:prstGeom prst="ellipse">
+            <a:avLst/>
+          </a:prstGeom>
+          <a:ln>
+            <a:solidFill>
+              <a:schemeClr val="bg1">
+                <a:lumMod val="65000"/>
+              </a:schemeClr>
+            </a:solidFill>
+          </a:ln>
+        </p:spPr>
+        <p:style>
+          <a:lnRef idx="2">
+            <a:schemeClr val="dk1"/>
+          </a:lnRef>
+          <a:fillRef idx="1">
+            <a:schemeClr val="lt1"/>
+          </a:fillRef>
+          <a:effectRef idx="0">
+            <a:schemeClr val="dk1"/>
+          </a:effectRef>
+          <a:fontRef idx="minor">
+            <a:schemeClr val="dk1"/>
+          </a:fontRef>
+        </p:style>
+        <p:txBody>
+          <a:bodyPr rtlCol="0" anchor="ctr"/>
+          <a:lstStyle/>
+          <a:p>
+            <a:pPr algn="ctr"/>
+            <a:r>
+              <a:rPr lang="en-US" sz="900" dirty="0"/>
+              <a:t>YAML</a:t>
+            </a:r>
+          </a:p>
+        </p:txBody>
+      </p:sp>
+      <p:sp>
+        <p:nvSpPr>
+          <p:cNvPr id="257" name="Rectangle: Rounded Corners 256">
+            <a:extLst>
+              <a:ext uri="{FF2B5EF4-FFF2-40B4-BE49-F238E27FC236}">
+                <a16:creationId xmlns:a16="http://schemas.microsoft.com/office/drawing/2014/main" id="{3680BE40-799A-4EF4-AF2A-48B6584B14B1}"/>
+              </a:ext>
+            </a:extLst>
+          </p:cNvPr>
+          <p:cNvSpPr/>
+          <p:nvPr/>
+        </p:nvSpPr>
+        <p:spPr>
+          <a:xfrm>
+            <a:off x="3458439" y="2159448"/>
+            <a:ext cx="901574" cy="258451"/>
+          </a:xfrm>
+          <a:prstGeom prst="roundRect">
+            <a:avLst/>
+          </a:prstGeom>
+        </p:spPr>
+        <p:style>
+          <a:lnRef idx="1">
+            <a:schemeClr val="accent3"/>
+          </a:lnRef>
+          <a:fillRef idx="2">
+            <a:schemeClr val="accent3"/>
+          </a:fillRef>
+          <a:effectRef idx="1">
+            <a:schemeClr val="accent3"/>
+          </a:effectRef>
+          <a:fontRef idx="minor">
+            <a:schemeClr val="dk1"/>
+          </a:fontRef>
+        </p:style>
+        <p:txBody>
+          <a:bodyPr rtlCol="0" anchor="ctr"/>
+          <a:lstStyle/>
+          <a:p>
+            <a:pPr algn="ctr"/>
+            <a:r>
+              <a:rPr lang="en-US" sz="1000" dirty="0"/>
+              <a:t>OpenAPI 2</a:t>
+            </a:r>
+          </a:p>
+        </p:txBody>
+      </p:sp>
+      <p:sp>
+        <p:nvSpPr>
+          <p:cNvPr id="258" name="Rectangle: Rounded Corners 257">
+            <a:extLst>
+              <a:ext uri="{FF2B5EF4-FFF2-40B4-BE49-F238E27FC236}">
+                <a16:creationId xmlns:a16="http://schemas.microsoft.com/office/drawing/2014/main" id="{BF5851AB-7967-46BF-B741-6669B45679AD}"/>
+              </a:ext>
+            </a:extLst>
+          </p:cNvPr>
+          <p:cNvSpPr/>
+          <p:nvPr/>
+        </p:nvSpPr>
+        <p:spPr>
+          <a:xfrm>
+            <a:off x="3458438" y="2776123"/>
+            <a:ext cx="901574" cy="258451"/>
+          </a:xfrm>
+          <a:prstGeom prst="roundRect">
+            <a:avLst/>
+          </a:prstGeom>
+        </p:spPr>
+        <p:style>
+          <a:lnRef idx="1">
+            <a:schemeClr val="accent3"/>
+          </a:lnRef>
+          <a:fillRef idx="2">
+            <a:schemeClr val="accent3"/>
+          </a:fillRef>
+          <a:effectRef idx="1">
+            <a:schemeClr val="accent3"/>
+          </a:effectRef>
+          <a:fontRef idx="minor">
+            <a:schemeClr val="dk1"/>
+          </a:fontRef>
+        </p:style>
+        <p:txBody>
+          <a:bodyPr rtlCol="0" anchor="ctr"/>
+          <a:lstStyle/>
+          <a:p>
+            <a:pPr algn="ctr"/>
+            <a:r>
+              <a:rPr lang="en-US" sz="1000" dirty="0"/>
+              <a:t>OpenAPI 3</a:t>
+            </a:r>
+          </a:p>
+        </p:txBody>
+      </p:sp>
+      <p:sp>
+        <p:nvSpPr>
+          <p:cNvPr id="259" name="Rectangle: Rounded Corners 258">
+            <a:extLst>
+              <a:ext uri="{FF2B5EF4-FFF2-40B4-BE49-F238E27FC236}">
+                <a16:creationId xmlns:a16="http://schemas.microsoft.com/office/drawing/2014/main" id="{CFC9FFD4-4370-473F-A26F-97C3B486A41A}"/>
+              </a:ext>
+            </a:extLst>
+          </p:cNvPr>
+          <p:cNvSpPr/>
+          <p:nvPr/>
+        </p:nvSpPr>
+        <p:spPr>
+          <a:xfrm>
+            <a:off x="5908196" y="1219200"/>
+            <a:ext cx="842575" cy="332192"/>
+          </a:xfrm>
+          <a:prstGeom prst="roundRect">
+            <a:avLst/>
+          </a:prstGeom>
+        </p:spPr>
+        <p:style>
+          <a:lnRef idx="1">
+            <a:schemeClr val="accent3"/>
+          </a:lnRef>
+          <a:fillRef idx="2">
+            <a:schemeClr val="accent3"/>
+          </a:fillRef>
+          <a:effectRef idx="1">
+            <a:schemeClr val="accent3"/>
+          </a:effectRef>
+          <a:fontRef idx="minor">
+            <a:schemeClr val="dk1"/>
+          </a:fontRef>
+        </p:style>
+        <p:txBody>
+          <a:bodyPr rtlCol="0" anchor="ctr"/>
+          <a:lstStyle/>
+          <a:p>
+            <a:pPr algn="ctr"/>
+            <a:r>
+              <a:rPr lang="en-US" sz="900" dirty="0"/>
+              <a:t>IDL </a:t>
+            </a:r>
+            <a:br>
+              <a:rPr lang="en-US" sz="900" dirty="0"/>
+            </a:br>
+            <a:r>
+              <a:rPr lang="en-US" sz="900" dirty="0"/>
+              <a:t>[Ops]</a:t>
+            </a:r>
+          </a:p>
+        </p:txBody>
+      </p:sp>
+      <p:sp>
+        <p:nvSpPr>
+          <p:cNvPr id="260" name="Rectangle: Rounded Corners 259">
+            <a:extLst>
+              <a:ext uri="{FF2B5EF4-FFF2-40B4-BE49-F238E27FC236}">
+                <a16:creationId xmlns:a16="http://schemas.microsoft.com/office/drawing/2014/main" id="{ABBACEC4-7BDF-4D2F-B1B3-B3D0EE5BC54C}"/>
+              </a:ext>
+            </a:extLst>
+          </p:cNvPr>
+          <p:cNvSpPr/>
+          <p:nvPr/>
+        </p:nvSpPr>
+        <p:spPr>
+          <a:xfrm>
+            <a:off x="3458435" y="1485449"/>
+            <a:ext cx="901574" cy="258451"/>
+          </a:xfrm>
+          <a:prstGeom prst="roundRect">
+            <a:avLst/>
+          </a:prstGeom>
+        </p:spPr>
+        <p:style>
+          <a:lnRef idx="1">
+            <a:schemeClr val="accent3"/>
+          </a:lnRef>
+          <a:fillRef idx="2">
+            <a:schemeClr val="accent3"/>
+          </a:fillRef>
+          <a:effectRef idx="1">
+            <a:schemeClr val="accent3"/>
+          </a:effectRef>
+          <a:fontRef idx="minor">
+            <a:schemeClr val="dk1"/>
+          </a:fontRef>
+        </p:style>
+        <p:txBody>
+          <a:bodyPr rtlCol="0" anchor="ctr"/>
+          <a:lstStyle/>
+          <a:p>
+            <a:pPr algn="ctr"/>
+            <a:r>
+              <a:rPr lang="en-US" sz="1000" dirty="0"/>
+              <a:t>IDL</a:t>
+            </a:r>
+          </a:p>
+        </p:txBody>
+      </p:sp>
+      <p:sp>
+        <p:nvSpPr>
+          <p:cNvPr id="261" name="Rectangle: Rounded Corners 260">
+            <a:extLst>
+              <a:ext uri="{FF2B5EF4-FFF2-40B4-BE49-F238E27FC236}">
+                <a16:creationId xmlns:a16="http://schemas.microsoft.com/office/drawing/2014/main" id="{E5F36867-85F9-42FC-89C3-DB1B0E19E127}"/>
+              </a:ext>
+            </a:extLst>
+          </p:cNvPr>
+          <p:cNvSpPr/>
+          <p:nvPr/>
+        </p:nvSpPr>
+        <p:spPr>
+          <a:xfrm>
+            <a:off x="5904944" y="1877837"/>
+            <a:ext cx="842575" cy="332192"/>
+          </a:xfrm>
+          <a:prstGeom prst="roundRect">
+            <a:avLst/>
+          </a:prstGeom>
+        </p:spPr>
+        <p:style>
+          <a:lnRef idx="1">
+            <a:schemeClr val="accent3"/>
+          </a:lnRef>
+          <a:fillRef idx="2">
+            <a:schemeClr val="accent3"/>
+          </a:fillRef>
+          <a:effectRef idx="1">
+            <a:schemeClr val="accent3"/>
+          </a:effectRef>
+          <a:fontRef idx="minor">
+            <a:schemeClr val="dk1"/>
+          </a:fontRef>
+        </p:style>
+        <p:txBody>
+          <a:bodyPr rtlCol="0" anchor="ctr"/>
+          <a:lstStyle/>
+          <a:p>
+            <a:pPr algn="ctr"/>
+            <a:r>
+              <a:rPr lang="en-US" sz="900" dirty="0"/>
+              <a:t>IDL </a:t>
+            </a:r>
+            <a:br>
+              <a:rPr lang="en-US" sz="900" dirty="0"/>
+            </a:br>
+            <a:r>
+              <a:rPr lang="en-US" sz="900" dirty="0"/>
+              <a:t>[Schema]</a:t>
+            </a:r>
+          </a:p>
+        </p:txBody>
+      </p:sp>
+      <p:sp>
+        <p:nvSpPr>
+          <p:cNvPr id="262" name="Rectangle: Rounded Corners 261">
+            <a:extLst>
+              <a:ext uri="{FF2B5EF4-FFF2-40B4-BE49-F238E27FC236}">
+                <a16:creationId xmlns:a16="http://schemas.microsoft.com/office/drawing/2014/main" id="{7F666385-DA5F-44B9-B01E-F3D83EEA0CA9}"/>
+              </a:ext>
+            </a:extLst>
+          </p:cNvPr>
+          <p:cNvSpPr/>
+          <p:nvPr/>
+        </p:nvSpPr>
+        <p:spPr>
+          <a:xfrm>
+            <a:off x="3458437" y="3758013"/>
+            <a:ext cx="901574" cy="258451"/>
+          </a:xfrm>
+          <a:prstGeom prst="roundRect">
+            <a:avLst/>
+          </a:prstGeom>
+        </p:spPr>
+        <p:style>
+          <a:lnRef idx="1">
+            <a:schemeClr val="accent3"/>
+          </a:lnRef>
+          <a:fillRef idx="2">
+            <a:schemeClr val="accent3"/>
+          </a:fillRef>
+          <a:effectRef idx="1">
+            <a:schemeClr val="accent3"/>
+          </a:effectRef>
+          <a:fontRef idx="minor">
+            <a:schemeClr val="dk1"/>
+          </a:fontRef>
+        </p:style>
+        <p:txBody>
+          <a:bodyPr rtlCol="0" anchor="ctr"/>
+          <a:lstStyle/>
+          <a:p>
+            <a:pPr algn="ctr"/>
+            <a:r>
+              <a:rPr lang="en-US" sz="1000" dirty="0"/>
+              <a:t>UML</a:t>
+            </a:r>
+          </a:p>
+        </p:txBody>
+      </p:sp>
+      <p:sp>
+        <p:nvSpPr>
+          <p:cNvPr id="263" name="Rectangle: Rounded Corners 262">
+            <a:extLst>
+              <a:ext uri="{FF2B5EF4-FFF2-40B4-BE49-F238E27FC236}">
+                <a16:creationId xmlns:a16="http://schemas.microsoft.com/office/drawing/2014/main" id="{9A92A26E-5CD4-4E4C-AD78-AA40D4E0C30B}"/>
+              </a:ext>
+            </a:extLst>
+          </p:cNvPr>
+          <p:cNvSpPr/>
+          <p:nvPr/>
+        </p:nvSpPr>
+        <p:spPr>
+          <a:xfrm>
+            <a:off x="3458437" y="4342031"/>
+            <a:ext cx="901574" cy="258451"/>
+          </a:xfrm>
+          <a:prstGeom prst="roundRect">
+            <a:avLst/>
+          </a:prstGeom>
+        </p:spPr>
+        <p:style>
+          <a:lnRef idx="1">
+            <a:schemeClr val="accent3"/>
+          </a:lnRef>
+          <a:fillRef idx="2">
+            <a:schemeClr val="accent3"/>
+          </a:fillRef>
+          <a:effectRef idx="1">
+            <a:schemeClr val="accent3"/>
+          </a:effectRef>
+          <a:fontRef idx="minor">
+            <a:schemeClr val="dk1"/>
+          </a:fontRef>
+        </p:style>
+        <p:txBody>
+          <a:bodyPr rtlCol="0" anchor="ctr"/>
+          <a:lstStyle/>
+          <a:p>
+            <a:pPr algn="ctr"/>
+            <a:r>
+              <a:rPr lang="en-US" sz="1000" dirty="0"/>
+              <a:t>XSD</a:t>
+            </a:r>
+          </a:p>
+        </p:txBody>
+      </p:sp>
+      <p:sp>
+        <p:nvSpPr>
+          <p:cNvPr id="264" name="Rectangle: Rounded Corners 263">
+            <a:extLst>
+              <a:ext uri="{FF2B5EF4-FFF2-40B4-BE49-F238E27FC236}">
+                <a16:creationId xmlns:a16="http://schemas.microsoft.com/office/drawing/2014/main" id="{0CEDD82A-B4A9-4B83-9EF2-26A864A9A098}"/>
+              </a:ext>
+            </a:extLst>
+          </p:cNvPr>
+          <p:cNvSpPr/>
+          <p:nvPr/>
+        </p:nvSpPr>
+        <p:spPr>
+          <a:xfrm>
+            <a:off x="3458436" y="4930950"/>
+            <a:ext cx="901574" cy="258451"/>
+          </a:xfrm>
+          <a:prstGeom prst="roundRect">
+            <a:avLst/>
+          </a:prstGeom>
+        </p:spPr>
+        <p:style>
+          <a:lnRef idx="1">
+            <a:schemeClr val="accent3"/>
+          </a:lnRef>
+          <a:fillRef idx="2">
+            <a:schemeClr val="accent3"/>
+          </a:fillRef>
+          <a:effectRef idx="1">
+            <a:schemeClr val="accent3"/>
+          </a:effectRef>
+          <a:fontRef idx="minor">
+            <a:schemeClr val="dk1"/>
+          </a:fontRef>
+        </p:style>
+        <p:txBody>
+          <a:bodyPr rtlCol="0" anchor="ctr"/>
+          <a:lstStyle/>
+          <a:p>
+            <a:pPr algn="ctr"/>
+            <a:r>
+              <a:rPr lang="en-US" sz="1000" dirty="0"/>
+              <a:t>JSON Schema</a:t>
+            </a:r>
+          </a:p>
+        </p:txBody>
+      </p:sp>
+      <p:sp>
+        <p:nvSpPr>
+          <p:cNvPr id="265" name="Rectangle: Rounded Corners 264">
+            <a:extLst>
+              <a:ext uri="{FF2B5EF4-FFF2-40B4-BE49-F238E27FC236}">
+                <a16:creationId xmlns:a16="http://schemas.microsoft.com/office/drawing/2014/main" id="{A2272EE8-0091-4B04-8DC3-4C0B353081D4}"/>
+              </a:ext>
+            </a:extLst>
+          </p:cNvPr>
+          <p:cNvSpPr/>
+          <p:nvPr/>
+        </p:nvSpPr>
+        <p:spPr>
+          <a:xfrm>
+            <a:off x="5904943" y="5254155"/>
+            <a:ext cx="842575" cy="332192"/>
+          </a:xfrm>
+          <a:prstGeom prst="roundRect">
+            <a:avLst/>
+          </a:prstGeom>
+        </p:spPr>
+        <p:style>
+          <a:lnRef idx="1">
+            <a:schemeClr val="accent3"/>
+          </a:lnRef>
+          <a:fillRef idx="2">
+            <a:schemeClr val="accent3"/>
+          </a:fillRef>
+          <a:effectRef idx="1">
+            <a:schemeClr val="accent3"/>
+          </a:effectRef>
+          <a:fontRef idx="minor">
+            <a:schemeClr val="dk1"/>
+          </a:fontRef>
+        </p:style>
+        <p:txBody>
+          <a:bodyPr rtlCol="0" anchor="ctr"/>
+          <a:lstStyle/>
+          <a:p>
+            <a:pPr algn="ctr"/>
+            <a:r>
+              <a:rPr lang="en-US" sz="900" dirty="0"/>
+              <a:t>OWL 2 [SKOS]</a:t>
+            </a:r>
+          </a:p>
+        </p:txBody>
+      </p:sp>
+      <p:sp>
+        <p:nvSpPr>
+          <p:cNvPr id="266" name="Rectangle: Rounded Corners 265">
+            <a:extLst>
+              <a:ext uri="{FF2B5EF4-FFF2-40B4-BE49-F238E27FC236}">
+                <a16:creationId xmlns:a16="http://schemas.microsoft.com/office/drawing/2014/main" id="{E2DA36C0-1FDA-453F-9B21-1347D1EAF2FD}"/>
+              </a:ext>
+            </a:extLst>
+          </p:cNvPr>
+          <p:cNvSpPr/>
+          <p:nvPr/>
+        </p:nvSpPr>
+        <p:spPr>
+          <a:xfrm>
+            <a:off x="3458436" y="6390997"/>
+            <a:ext cx="901574" cy="258451"/>
+          </a:xfrm>
+          <a:prstGeom prst="roundRect">
+            <a:avLst/>
+          </a:prstGeom>
+        </p:spPr>
+        <p:style>
+          <a:lnRef idx="1">
+            <a:schemeClr val="accent3"/>
+          </a:lnRef>
+          <a:fillRef idx="2">
+            <a:schemeClr val="accent3"/>
+          </a:fillRef>
+          <a:effectRef idx="1">
+            <a:schemeClr val="accent3"/>
+          </a:effectRef>
+          <a:fontRef idx="minor">
+            <a:schemeClr val="dk1"/>
+          </a:fontRef>
+        </p:style>
+        <p:txBody>
+          <a:bodyPr rtlCol="0" anchor="ctr"/>
+          <a:lstStyle/>
+          <a:p>
+            <a:pPr algn="ctr"/>
+            <a:r>
+              <a:rPr lang="en-US" sz="1000" dirty="0"/>
+              <a:t>OWL 2</a:t>
+            </a:r>
+          </a:p>
+        </p:txBody>
+      </p:sp>
+      <p:sp>
+        <p:nvSpPr>
+          <p:cNvPr id="267" name="TextBox 266">
+            <a:extLst>
+              <a:ext uri="{FF2B5EF4-FFF2-40B4-BE49-F238E27FC236}">
+                <a16:creationId xmlns:a16="http://schemas.microsoft.com/office/drawing/2014/main" id="{E72F667B-66CF-469E-A827-EE6791950B21}"/>
+              </a:ext>
+            </a:extLst>
+          </p:cNvPr>
+          <p:cNvSpPr txBox="1"/>
+          <p:nvPr/>
+        </p:nvSpPr>
+        <p:spPr>
+          <a:xfrm>
+            <a:off x="7593411" y="287157"/>
+            <a:ext cx="1189577" cy="577081"/>
+          </a:xfrm>
+          <a:prstGeom prst="rect">
+            <a:avLst/>
+          </a:prstGeom>
+          <a:noFill/>
+        </p:spPr>
+        <p:txBody>
+          <a:bodyPr wrap="square" rtlCol="0">
+            <a:spAutoFit/>
+          </a:bodyPr>
+          <a:lstStyle/>
+          <a:p>
+            <a:pPr algn="ctr"/>
+            <a:r>
+              <a:rPr lang="en-US" sz="1050" i="1" dirty="0"/>
+              <a:t>API4KP </a:t>
+            </a:r>
+            <a:br>
+              <a:rPr lang="en-US" sz="1050" i="1" dirty="0"/>
+            </a:br>
+            <a:r>
+              <a:rPr lang="en-US" sz="1050" i="1" dirty="0"/>
+              <a:t>Serialization</a:t>
+            </a:r>
+            <a:br>
+              <a:rPr lang="en-US" sz="1050" i="1" dirty="0"/>
+            </a:br>
+            <a:r>
+              <a:rPr lang="en-US" sz="1050" i="1" dirty="0"/>
+              <a:t>Formats</a:t>
+            </a:r>
+          </a:p>
+        </p:txBody>
+      </p:sp>
+      <p:sp>
+        <p:nvSpPr>
+          <p:cNvPr id="268" name="Oval 267">
+            <a:extLst>
+              <a:ext uri="{FF2B5EF4-FFF2-40B4-BE49-F238E27FC236}">
+                <a16:creationId xmlns:a16="http://schemas.microsoft.com/office/drawing/2014/main" id="{6D0642C6-7815-4420-AA1B-1B6989AF5D09}"/>
+              </a:ext>
+            </a:extLst>
+          </p:cNvPr>
+          <p:cNvSpPr/>
+          <p:nvPr/>
+        </p:nvSpPr>
+        <p:spPr>
+          <a:xfrm>
+            <a:off x="7835789" y="3556733"/>
+            <a:ext cx="649348" cy="269506"/>
+          </a:xfrm>
+          <a:prstGeom prst="ellipse">
+            <a:avLst/>
+          </a:prstGeom>
+          <a:ln>
+            <a:solidFill>
+              <a:schemeClr val="bg1">
+                <a:lumMod val="65000"/>
+              </a:schemeClr>
+            </a:solidFill>
+          </a:ln>
+        </p:spPr>
+        <p:style>
+          <a:lnRef idx="2">
+            <a:schemeClr val="dk1"/>
+          </a:lnRef>
+          <a:fillRef idx="1">
+            <a:schemeClr val="lt1"/>
+          </a:fillRef>
+          <a:effectRef idx="0">
+            <a:schemeClr val="dk1"/>
+          </a:effectRef>
+          <a:fontRef idx="minor">
+            <a:schemeClr val="dk1"/>
+          </a:fontRef>
+        </p:style>
+        <p:txBody>
+          <a:bodyPr rtlCol="0" anchor="ctr"/>
+          <a:lstStyle/>
+          <a:p>
+            <a:pPr algn="ctr"/>
+            <a:r>
+              <a:rPr lang="en-US" sz="900" dirty="0"/>
+              <a:t>XMI</a:t>
+            </a:r>
+          </a:p>
+        </p:txBody>
+      </p:sp>
+      <p:sp>
+        <p:nvSpPr>
+          <p:cNvPr id="269" name="Rectangle: Rounded Corners 268">
+            <a:extLst>
+              <a:ext uri="{FF2B5EF4-FFF2-40B4-BE49-F238E27FC236}">
+                <a16:creationId xmlns:a16="http://schemas.microsoft.com/office/drawing/2014/main" id="{11A421F4-0628-40B7-9F11-C0EF32E83893}"/>
+              </a:ext>
+            </a:extLst>
+          </p:cNvPr>
+          <p:cNvSpPr/>
+          <p:nvPr/>
+        </p:nvSpPr>
+        <p:spPr>
+          <a:xfrm>
+            <a:off x="5904946" y="3970003"/>
+            <a:ext cx="842575" cy="332192"/>
+          </a:xfrm>
+          <a:prstGeom prst="roundRect">
+            <a:avLst/>
+          </a:prstGeom>
+        </p:spPr>
+        <p:style>
+          <a:lnRef idx="1">
+            <a:schemeClr val="accent3"/>
+          </a:lnRef>
+          <a:fillRef idx="2">
+            <a:schemeClr val="accent3"/>
+          </a:fillRef>
+          <a:effectRef idx="1">
+            <a:schemeClr val="accent3"/>
+          </a:effectRef>
+          <a:fontRef idx="minor">
+            <a:schemeClr val="dk1"/>
+          </a:fontRef>
+        </p:style>
+        <p:txBody>
+          <a:bodyPr rtlCol="0" anchor="ctr"/>
+          <a:lstStyle/>
+          <a:p>
+            <a:pPr algn="ctr"/>
+            <a:r>
+              <a:rPr lang="en-US" sz="900" dirty="0"/>
+              <a:t>UML [Datatype]</a:t>
+            </a:r>
+          </a:p>
+        </p:txBody>
+      </p:sp>
+      <p:sp>
+        <p:nvSpPr>
+          <p:cNvPr id="270" name="Rectangle: Rounded Corners 269">
+            <a:extLst>
+              <a:ext uri="{FF2B5EF4-FFF2-40B4-BE49-F238E27FC236}">
+                <a16:creationId xmlns:a16="http://schemas.microsoft.com/office/drawing/2014/main" id="{4DF4C58C-955B-45C3-9D2A-8E45007D508A}"/>
+              </a:ext>
+            </a:extLst>
+          </p:cNvPr>
+          <p:cNvSpPr/>
+          <p:nvPr/>
+        </p:nvSpPr>
+        <p:spPr>
+          <a:xfrm>
+            <a:off x="5904945" y="3315051"/>
+            <a:ext cx="842575" cy="332192"/>
+          </a:xfrm>
+          <a:prstGeom prst="roundRect">
+            <a:avLst/>
+          </a:prstGeom>
+        </p:spPr>
+        <p:style>
+          <a:lnRef idx="1">
+            <a:schemeClr val="accent3"/>
+          </a:lnRef>
+          <a:fillRef idx="2">
+            <a:schemeClr val="accent3"/>
+          </a:fillRef>
+          <a:effectRef idx="1">
+            <a:schemeClr val="accent3"/>
+          </a:effectRef>
+          <a:fontRef idx="minor">
+            <a:schemeClr val="dk1"/>
+          </a:fontRef>
+        </p:style>
+        <p:txBody>
+          <a:bodyPr rtlCol="0" anchor="ctr"/>
+          <a:lstStyle/>
+          <a:p>
+            <a:pPr algn="ctr"/>
+            <a:r>
+              <a:rPr lang="en-US" sz="900" dirty="0"/>
+              <a:t>UML [Interface]</a:t>
+            </a:r>
+          </a:p>
+        </p:txBody>
+      </p:sp>
+      <p:sp>
+        <p:nvSpPr>
+          <p:cNvPr id="271" name="Oval 270">
+            <a:extLst>
+              <a:ext uri="{FF2B5EF4-FFF2-40B4-BE49-F238E27FC236}">
+                <a16:creationId xmlns:a16="http://schemas.microsoft.com/office/drawing/2014/main" id="{9D6D16A5-3E07-49CA-BE06-5B3F206CCEA8}"/>
+              </a:ext>
+            </a:extLst>
+          </p:cNvPr>
+          <p:cNvSpPr/>
+          <p:nvPr/>
+        </p:nvSpPr>
+        <p:spPr>
+          <a:xfrm>
+            <a:off x="9665948" y="1325974"/>
+            <a:ext cx="738041" cy="269506"/>
+          </a:xfrm>
+          <a:prstGeom prst="ellipse">
+            <a:avLst/>
+          </a:prstGeom>
+          <a:ln>
+            <a:solidFill>
+              <a:schemeClr val="bg1">
+                <a:lumMod val="65000"/>
+              </a:schemeClr>
+            </a:solidFill>
+          </a:ln>
+        </p:spPr>
+        <p:style>
+          <a:lnRef idx="2">
+            <a:schemeClr val="dk1"/>
+          </a:lnRef>
+          <a:fillRef idx="1">
+            <a:schemeClr val="lt1"/>
+          </a:fillRef>
+          <a:effectRef idx="0">
+            <a:schemeClr val="dk1"/>
+          </a:effectRef>
+          <a:fontRef idx="minor">
+            <a:schemeClr val="dk1"/>
+          </a:fontRef>
+        </p:style>
+        <p:txBody>
+          <a:bodyPr rtlCol="0" anchor="ctr"/>
+          <a:lstStyle/>
+          <a:p>
+            <a:pPr algn="ctr"/>
+            <a:r>
+              <a:rPr lang="en-US" sz="900" dirty="0"/>
+              <a:t>TXT</a:t>
+            </a:r>
+          </a:p>
+        </p:txBody>
+      </p:sp>
+      <p:cxnSp>
+        <p:nvCxnSpPr>
+          <p:cNvPr id="272" name="Straight Arrow Connector 271">
+            <a:extLst>
+              <a:ext uri="{FF2B5EF4-FFF2-40B4-BE49-F238E27FC236}">
+                <a16:creationId xmlns:a16="http://schemas.microsoft.com/office/drawing/2014/main" id="{5ED829F9-B2F9-45A8-8E67-C7FB785D1F6D}"/>
+              </a:ext>
+            </a:extLst>
+          </p:cNvPr>
+          <p:cNvCxnSpPr>
+            <a:cxnSpLocks/>
+            <a:stCxn id="268" idx="6"/>
+            <a:endCxn id="254" idx="1"/>
+          </p:cNvCxnSpPr>
+          <p:nvPr/>
+        </p:nvCxnSpPr>
+        <p:spPr>
+          <a:xfrm>
+            <a:off x="8485137" y="3691486"/>
+            <a:ext cx="1288895" cy="1251279"/>
+          </a:xfrm>
+          <a:prstGeom prst="straightConnector1">
+            <a:avLst/>
+          </a:prstGeom>
+          <a:ln>
+            <a:solidFill>
+              <a:schemeClr val="tx1"/>
+            </a:solidFill>
+            <a:prstDash val="dashDot"/>
+            <a:tailEnd type="arrow"/>
+          </a:ln>
+        </p:spPr>
+        <p:style>
+          <a:lnRef idx="1">
+            <a:schemeClr val="accent1"/>
+          </a:lnRef>
+          <a:fillRef idx="0">
+            <a:schemeClr val="accent1"/>
+          </a:fillRef>
+          <a:effectRef idx="0">
+            <a:schemeClr val="accent1"/>
+          </a:effectRef>
+          <a:fontRef idx="minor">
+            <a:schemeClr val="tx1"/>
+          </a:fontRef>
+        </p:style>
+      </p:cxnSp>
+      <p:cxnSp>
+        <p:nvCxnSpPr>
+          <p:cNvPr id="273" name="Straight Arrow Connector 272">
+            <a:extLst>
+              <a:ext uri="{FF2B5EF4-FFF2-40B4-BE49-F238E27FC236}">
+                <a16:creationId xmlns:a16="http://schemas.microsoft.com/office/drawing/2014/main" id="{B84A4E3B-FA42-465F-BF05-AB6F60162CEB}"/>
+              </a:ext>
+            </a:extLst>
+          </p:cNvPr>
+          <p:cNvCxnSpPr>
+            <a:cxnSpLocks/>
+            <a:stCxn id="253" idx="6"/>
+            <a:endCxn id="254" idx="3"/>
+          </p:cNvCxnSpPr>
+          <p:nvPr/>
+        </p:nvCxnSpPr>
+        <p:spPr>
+          <a:xfrm flipV="1">
+            <a:off x="8485137" y="5133335"/>
+            <a:ext cx="1288895" cy="1425449"/>
+          </a:xfrm>
+          <a:prstGeom prst="straightConnector1">
+            <a:avLst/>
+          </a:prstGeom>
+          <a:ln>
+            <a:solidFill>
+              <a:schemeClr val="tx1"/>
+            </a:solidFill>
+            <a:prstDash val="dashDot"/>
+            <a:tailEnd type="arrow"/>
+          </a:ln>
+        </p:spPr>
+        <p:style>
+          <a:lnRef idx="1">
+            <a:schemeClr val="accent1"/>
+          </a:lnRef>
+          <a:fillRef idx="0">
+            <a:schemeClr val="accent1"/>
+          </a:fillRef>
+          <a:effectRef idx="0">
+            <a:schemeClr val="accent1"/>
+          </a:effectRef>
+          <a:fontRef idx="minor">
+            <a:schemeClr val="tx1"/>
+          </a:fontRef>
+        </p:style>
+      </p:cxnSp>
+      <p:cxnSp>
+        <p:nvCxnSpPr>
+          <p:cNvPr id="274" name="Straight Arrow Connector 273">
+            <a:extLst>
+              <a:ext uri="{FF2B5EF4-FFF2-40B4-BE49-F238E27FC236}">
+                <a16:creationId xmlns:a16="http://schemas.microsoft.com/office/drawing/2014/main" id="{F0259FE2-2D8D-48FB-8D39-234B55ABB420}"/>
+              </a:ext>
+            </a:extLst>
+          </p:cNvPr>
+          <p:cNvCxnSpPr>
+            <a:cxnSpLocks/>
+            <a:stCxn id="259" idx="3"/>
+            <a:endCxn id="271" idx="2"/>
+          </p:cNvCxnSpPr>
+          <p:nvPr/>
+        </p:nvCxnSpPr>
+        <p:spPr>
+          <a:xfrm>
+            <a:off x="6750771" y="1385296"/>
+            <a:ext cx="2915177" cy="75431"/>
+          </a:xfrm>
+          <a:prstGeom prst="straightConnector1">
+            <a:avLst/>
+          </a:prstGeom>
+          <a:ln>
+            <a:solidFill>
+              <a:schemeClr val="tx1"/>
+            </a:solidFill>
+            <a:prstDash val="dashDot"/>
+            <a:tailEnd type="arrow"/>
+          </a:ln>
+        </p:spPr>
+        <p:style>
+          <a:lnRef idx="1">
+            <a:schemeClr val="accent1"/>
+          </a:lnRef>
+          <a:fillRef idx="0">
+            <a:schemeClr val="accent1"/>
+          </a:fillRef>
+          <a:effectRef idx="0">
+            <a:schemeClr val="accent1"/>
+          </a:effectRef>
+          <a:fontRef idx="minor">
+            <a:schemeClr val="tx1"/>
+          </a:fontRef>
+        </p:style>
+      </p:cxnSp>
+      <p:cxnSp>
+        <p:nvCxnSpPr>
+          <p:cNvPr id="275" name="Straight Arrow Connector 274">
+            <a:extLst>
+              <a:ext uri="{FF2B5EF4-FFF2-40B4-BE49-F238E27FC236}">
+                <a16:creationId xmlns:a16="http://schemas.microsoft.com/office/drawing/2014/main" id="{F97431F9-FAE2-4B7B-84D8-CE27F2210128}"/>
+              </a:ext>
+            </a:extLst>
+          </p:cNvPr>
+          <p:cNvCxnSpPr>
+            <a:cxnSpLocks/>
+            <a:stCxn id="270" idx="3"/>
+            <a:endCxn id="268" idx="1"/>
+          </p:cNvCxnSpPr>
+          <p:nvPr/>
+        </p:nvCxnSpPr>
+        <p:spPr>
+          <a:xfrm>
+            <a:off x="6747520" y="3481147"/>
+            <a:ext cx="1183364" cy="115054"/>
+          </a:xfrm>
+          <a:prstGeom prst="straightConnector1">
+            <a:avLst/>
+          </a:prstGeom>
+          <a:ln>
+            <a:solidFill>
+              <a:schemeClr val="tx1"/>
+            </a:solidFill>
+            <a:prstDash val="dashDot"/>
+            <a:tailEnd type="arrow"/>
+          </a:ln>
+        </p:spPr>
+        <p:style>
+          <a:lnRef idx="1">
+            <a:schemeClr val="accent1"/>
+          </a:lnRef>
+          <a:fillRef idx="0">
+            <a:schemeClr val="accent1"/>
+          </a:fillRef>
+          <a:effectRef idx="0">
+            <a:schemeClr val="accent1"/>
+          </a:effectRef>
+          <a:fontRef idx="minor">
+            <a:schemeClr val="tx1"/>
+          </a:fontRef>
+        </p:style>
+      </p:cxnSp>
+      <p:cxnSp>
+        <p:nvCxnSpPr>
+          <p:cNvPr id="276" name="Straight Arrow Connector 275">
+            <a:extLst>
+              <a:ext uri="{FF2B5EF4-FFF2-40B4-BE49-F238E27FC236}">
+                <a16:creationId xmlns:a16="http://schemas.microsoft.com/office/drawing/2014/main" id="{6162F501-A341-439A-9BD5-580123827F1F}"/>
+              </a:ext>
+            </a:extLst>
+          </p:cNvPr>
+          <p:cNvCxnSpPr>
+            <a:cxnSpLocks/>
+            <a:stCxn id="269" idx="3"/>
+            <a:endCxn id="268" idx="3"/>
+          </p:cNvCxnSpPr>
+          <p:nvPr/>
+        </p:nvCxnSpPr>
+        <p:spPr>
+          <a:xfrm flipV="1">
+            <a:off x="6747521" y="3786771"/>
+            <a:ext cx="1183363" cy="349328"/>
+          </a:xfrm>
+          <a:prstGeom prst="straightConnector1">
+            <a:avLst/>
+          </a:prstGeom>
+          <a:ln>
+            <a:solidFill>
+              <a:schemeClr val="tx1"/>
+            </a:solidFill>
+            <a:prstDash val="dashDot"/>
+            <a:tailEnd type="arrow"/>
+          </a:ln>
+        </p:spPr>
+        <p:style>
+          <a:lnRef idx="1">
+            <a:schemeClr val="accent1"/>
+          </a:lnRef>
+          <a:fillRef idx="0">
+            <a:schemeClr val="accent1"/>
+          </a:fillRef>
+          <a:effectRef idx="0">
+            <a:schemeClr val="accent1"/>
+          </a:effectRef>
+          <a:fontRef idx="minor">
+            <a:schemeClr val="tx1"/>
+          </a:fontRef>
+        </p:style>
+      </p:cxnSp>
+      <p:cxnSp>
+        <p:nvCxnSpPr>
+          <p:cNvPr id="277" name="Straight Arrow Connector 276">
+            <a:extLst>
+              <a:ext uri="{FF2B5EF4-FFF2-40B4-BE49-F238E27FC236}">
+                <a16:creationId xmlns:a16="http://schemas.microsoft.com/office/drawing/2014/main" id="{029E5926-ABDB-4391-BFCF-9086EFE1414E}"/>
+              </a:ext>
+            </a:extLst>
+          </p:cNvPr>
+          <p:cNvCxnSpPr>
+            <a:cxnSpLocks/>
+            <a:stCxn id="261" idx="3"/>
+            <a:endCxn id="271" idx="2"/>
+          </p:cNvCxnSpPr>
+          <p:nvPr/>
+        </p:nvCxnSpPr>
+        <p:spPr>
+          <a:xfrm flipV="1">
+            <a:off x="6747519" y="1460727"/>
+            <a:ext cx="2918429" cy="583206"/>
+          </a:xfrm>
+          <a:prstGeom prst="straightConnector1">
+            <a:avLst/>
+          </a:prstGeom>
+          <a:ln>
+            <a:solidFill>
+              <a:schemeClr val="tx1"/>
+            </a:solidFill>
+            <a:prstDash val="dashDot"/>
+            <a:tailEnd type="arrow"/>
+          </a:ln>
+        </p:spPr>
+        <p:style>
+          <a:lnRef idx="1">
+            <a:schemeClr val="accent1"/>
+          </a:lnRef>
+          <a:fillRef idx="0">
+            <a:schemeClr val="accent1"/>
+          </a:fillRef>
+          <a:effectRef idx="0">
+            <a:schemeClr val="accent1"/>
+          </a:effectRef>
+          <a:fontRef idx="minor">
+            <a:schemeClr val="tx1"/>
+          </a:fontRef>
+        </p:style>
+      </p:cxnSp>
+      <p:cxnSp>
+        <p:nvCxnSpPr>
+          <p:cNvPr id="278" name="Straight Arrow Connector 277">
+            <a:extLst>
+              <a:ext uri="{FF2B5EF4-FFF2-40B4-BE49-F238E27FC236}">
+                <a16:creationId xmlns:a16="http://schemas.microsoft.com/office/drawing/2014/main" id="{ADE51503-999F-45C1-B7BC-631913B6D915}"/>
+              </a:ext>
+            </a:extLst>
+          </p:cNvPr>
+          <p:cNvCxnSpPr>
+            <a:stCxn id="266" idx="3"/>
+            <a:endCxn id="253" idx="2"/>
+          </p:cNvCxnSpPr>
+          <p:nvPr/>
+        </p:nvCxnSpPr>
+        <p:spPr>
+          <a:xfrm>
+            <a:off x="4360010" y="6520223"/>
+            <a:ext cx="3475779" cy="38561"/>
+          </a:xfrm>
+          <a:prstGeom prst="straightConnector1">
+            <a:avLst/>
+          </a:prstGeom>
+          <a:ln>
+            <a:solidFill>
+              <a:schemeClr val="tx1"/>
+            </a:solidFill>
+            <a:prstDash val="dashDot"/>
+            <a:tailEnd type="arrow"/>
+          </a:ln>
+        </p:spPr>
+        <p:style>
+          <a:lnRef idx="1">
+            <a:schemeClr val="accent1"/>
+          </a:lnRef>
+          <a:fillRef idx="0">
+            <a:schemeClr val="accent1"/>
+          </a:fillRef>
+          <a:effectRef idx="0">
+            <a:schemeClr val="accent1"/>
+          </a:effectRef>
+          <a:fontRef idx="minor">
+            <a:schemeClr val="tx1"/>
+          </a:fontRef>
+        </p:style>
+      </p:cxnSp>
+      <p:cxnSp>
+        <p:nvCxnSpPr>
+          <p:cNvPr id="279" name="Straight Arrow Connector 278">
+            <a:extLst>
+              <a:ext uri="{FF2B5EF4-FFF2-40B4-BE49-F238E27FC236}">
+                <a16:creationId xmlns:a16="http://schemas.microsoft.com/office/drawing/2014/main" id="{93D8063A-04C8-4AA0-BADF-E1C2D30D2DEE}"/>
+              </a:ext>
+            </a:extLst>
+          </p:cNvPr>
+          <p:cNvCxnSpPr>
+            <a:stCxn id="259" idx="1"/>
+            <a:endCxn id="260" idx="3"/>
+          </p:cNvCxnSpPr>
+          <p:nvPr/>
+        </p:nvCxnSpPr>
+        <p:spPr>
+          <a:xfrm flipH="1">
+            <a:off x="4360009" y="1385296"/>
+            <a:ext cx="1548187" cy="229379"/>
+          </a:xfrm>
+          <a:prstGeom prst="straightConnector1">
+            <a:avLst/>
+          </a:prstGeom>
+          <a:ln>
+            <a:solidFill>
+              <a:schemeClr val="tx1"/>
+            </a:solidFill>
+            <a:prstDash val="lgDash"/>
+            <a:tailEnd type="triangle"/>
+          </a:ln>
+        </p:spPr>
+        <p:style>
+          <a:lnRef idx="1">
+            <a:schemeClr val="accent1"/>
+          </a:lnRef>
+          <a:fillRef idx="0">
+            <a:schemeClr val="accent1"/>
+          </a:fillRef>
+          <a:effectRef idx="0">
+            <a:schemeClr val="accent1"/>
+          </a:effectRef>
+          <a:fontRef idx="minor">
+            <a:schemeClr val="tx1"/>
+          </a:fontRef>
+        </p:style>
+      </p:cxnSp>
+      <p:cxnSp>
+        <p:nvCxnSpPr>
+          <p:cNvPr id="280" name="Straight Arrow Connector 279">
+            <a:extLst>
+              <a:ext uri="{FF2B5EF4-FFF2-40B4-BE49-F238E27FC236}">
+                <a16:creationId xmlns:a16="http://schemas.microsoft.com/office/drawing/2014/main" id="{DD670080-7FD6-4303-9E8D-F3FC798A8A83}"/>
+              </a:ext>
+            </a:extLst>
+          </p:cNvPr>
+          <p:cNvCxnSpPr>
+            <a:stCxn id="261" idx="1"/>
+            <a:endCxn id="260" idx="3"/>
+          </p:cNvCxnSpPr>
+          <p:nvPr/>
+        </p:nvCxnSpPr>
+        <p:spPr>
+          <a:xfrm flipH="1" flipV="1">
+            <a:off x="4360009" y="1614675"/>
+            <a:ext cx="1544935" cy="429258"/>
+          </a:xfrm>
+          <a:prstGeom prst="straightConnector1">
+            <a:avLst/>
+          </a:prstGeom>
+          <a:ln>
+            <a:solidFill>
+              <a:schemeClr val="tx1"/>
+            </a:solidFill>
+            <a:prstDash val="lgDash"/>
+            <a:tailEnd type="triangle"/>
+          </a:ln>
+        </p:spPr>
+        <p:style>
+          <a:lnRef idx="1">
+            <a:schemeClr val="accent1"/>
+          </a:lnRef>
+          <a:fillRef idx="0">
+            <a:schemeClr val="accent1"/>
+          </a:fillRef>
+          <a:effectRef idx="0">
+            <a:schemeClr val="accent1"/>
+          </a:effectRef>
+          <a:fontRef idx="minor">
+            <a:schemeClr val="tx1"/>
+          </a:fontRef>
+        </p:style>
+      </p:cxnSp>
+      <p:cxnSp>
+        <p:nvCxnSpPr>
+          <p:cNvPr id="281" name="Straight Arrow Connector 280">
+            <a:extLst>
+              <a:ext uri="{FF2B5EF4-FFF2-40B4-BE49-F238E27FC236}">
+                <a16:creationId xmlns:a16="http://schemas.microsoft.com/office/drawing/2014/main" id="{C0A9A367-65F9-46CD-8054-E730DD19CFD0}"/>
+              </a:ext>
+            </a:extLst>
+          </p:cNvPr>
+          <p:cNvCxnSpPr>
+            <a:cxnSpLocks/>
+            <a:stCxn id="257" idx="3"/>
+            <a:endCxn id="256" idx="2"/>
+          </p:cNvCxnSpPr>
+          <p:nvPr/>
+        </p:nvCxnSpPr>
+        <p:spPr>
+          <a:xfrm>
+            <a:off x="4360013" y="2288674"/>
+            <a:ext cx="5305935" cy="125701"/>
+          </a:xfrm>
+          <a:prstGeom prst="straightConnector1">
+            <a:avLst/>
+          </a:prstGeom>
+          <a:ln>
+            <a:solidFill>
+              <a:schemeClr val="tx1"/>
+            </a:solidFill>
+            <a:prstDash val="dashDot"/>
+            <a:tailEnd type="arrow"/>
+          </a:ln>
+        </p:spPr>
+        <p:style>
+          <a:lnRef idx="1">
+            <a:schemeClr val="accent1"/>
+          </a:lnRef>
+          <a:fillRef idx="0">
+            <a:schemeClr val="accent1"/>
+          </a:fillRef>
+          <a:effectRef idx="0">
+            <a:schemeClr val="accent1"/>
+          </a:effectRef>
+          <a:fontRef idx="minor">
+            <a:schemeClr val="tx1"/>
+          </a:fontRef>
+        </p:style>
+      </p:cxnSp>
+      <p:cxnSp>
+        <p:nvCxnSpPr>
+          <p:cNvPr id="282" name="Straight Arrow Connector 281">
+            <a:extLst>
+              <a:ext uri="{FF2B5EF4-FFF2-40B4-BE49-F238E27FC236}">
+                <a16:creationId xmlns:a16="http://schemas.microsoft.com/office/drawing/2014/main" id="{3E0A247A-BE2C-4CA3-8A33-0616A05AAD2C}"/>
+              </a:ext>
+            </a:extLst>
+          </p:cNvPr>
+          <p:cNvCxnSpPr>
+            <a:cxnSpLocks/>
+            <a:stCxn id="257" idx="3"/>
+            <a:endCxn id="255" idx="2"/>
+          </p:cNvCxnSpPr>
+          <p:nvPr/>
+        </p:nvCxnSpPr>
+        <p:spPr>
+          <a:xfrm>
+            <a:off x="4360013" y="2288674"/>
+            <a:ext cx="5305935" cy="571471"/>
+          </a:xfrm>
+          <a:prstGeom prst="straightConnector1">
+            <a:avLst/>
+          </a:prstGeom>
+          <a:ln>
+            <a:solidFill>
+              <a:schemeClr val="tx1"/>
+            </a:solidFill>
+            <a:prstDash val="dashDot"/>
+            <a:tailEnd type="arrow"/>
+          </a:ln>
+        </p:spPr>
+        <p:style>
+          <a:lnRef idx="1">
+            <a:schemeClr val="accent1"/>
+          </a:lnRef>
+          <a:fillRef idx="0">
+            <a:schemeClr val="accent1"/>
+          </a:fillRef>
+          <a:effectRef idx="0">
+            <a:schemeClr val="accent1"/>
+          </a:effectRef>
+          <a:fontRef idx="minor">
+            <a:schemeClr val="tx1"/>
+          </a:fontRef>
+        </p:style>
+      </p:cxnSp>
+      <p:cxnSp>
+        <p:nvCxnSpPr>
+          <p:cNvPr id="283" name="Straight Arrow Connector 282">
+            <a:extLst>
+              <a:ext uri="{FF2B5EF4-FFF2-40B4-BE49-F238E27FC236}">
+                <a16:creationId xmlns:a16="http://schemas.microsoft.com/office/drawing/2014/main" id="{CE366F97-543E-4BFC-A3F4-89B3C9E753C7}"/>
+              </a:ext>
+            </a:extLst>
+          </p:cNvPr>
+          <p:cNvCxnSpPr>
+            <a:cxnSpLocks/>
+            <a:stCxn id="258" idx="3"/>
+            <a:endCxn id="256" idx="2"/>
+          </p:cNvCxnSpPr>
+          <p:nvPr/>
+        </p:nvCxnSpPr>
+        <p:spPr>
+          <a:xfrm flipV="1">
+            <a:off x="4360012" y="2414375"/>
+            <a:ext cx="5305936" cy="490974"/>
+          </a:xfrm>
+          <a:prstGeom prst="straightConnector1">
+            <a:avLst/>
+          </a:prstGeom>
+          <a:ln>
+            <a:solidFill>
+              <a:schemeClr val="tx1"/>
+            </a:solidFill>
+            <a:prstDash val="dashDot"/>
+            <a:tailEnd type="arrow"/>
+          </a:ln>
+        </p:spPr>
+        <p:style>
+          <a:lnRef idx="1">
+            <a:schemeClr val="accent1"/>
+          </a:lnRef>
+          <a:fillRef idx="0">
+            <a:schemeClr val="accent1"/>
+          </a:fillRef>
+          <a:effectRef idx="0">
+            <a:schemeClr val="accent1"/>
+          </a:effectRef>
+          <a:fontRef idx="minor">
+            <a:schemeClr val="tx1"/>
+          </a:fontRef>
+        </p:style>
+      </p:cxnSp>
+      <p:cxnSp>
+        <p:nvCxnSpPr>
+          <p:cNvPr id="284" name="Straight Arrow Connector 283">
+            <a:extLst>
+              <a:ext uri="{FF2B5EF4-FFF2-40B4-BE49-F238E27FC236}">
+                <a16:creationId xmlns:a16="http://schemas.microsoft.com/office/drawing/2014/main" id="{78B775E7-DD4A-4E3F-B2F9-5D81C0D07C51}"/>
+              </a:ext>
+            </a:extLst>
+          </p:cNvPr>
+          <p:cNvCxnSpPr>
+            <a:cxnSpLocks/>
+            <a:stCxn id="258" idx="3"/>
+            <a:endCxn id="255" idx="2"/>
+          </p:cNvCxnSpPr>
+          <p:nvPr/>
+        </p:nvCxnSpPr>
+        <p:spPr>
+          <a:xfrm flipV="1">
+            <a:off x="4360012" y="2860145"/>
+            <a:ext cx="5305936" cy="45204"/>
+          </a:xfrm>
+          <a:prstGeom prst="straightConnector1">
+            <a:avLst/>
+          </a:prstGeom>
+          <a:ln>
+            <a:solidFill>
+              <a:schemeClr val="tx1"/>
+            </a:solidFill>
+            <a:prstDash val="dashDot"/>
+            <a:tailEnd type="arrow"/>
+          </a:ln>
+        </p:spPr>
+        <p:style>
+          <a:lnRef idx="1">
+            <a:schemeClr val="accent1"/>
+          </a:lnRef>
+          <a:fillRef idx="0">
+            <a:schemeClr val="accent1"/>
+          </a:fillRef>
+          <a:effectRef idx="0">
+            <a:schemeClr val="accent1"/>
+          </a:effectRef>
+          <a:fontRef idx="minor">
+            <a:schemeClr val="tx1"/>
+          </a:fontRef>
+        </p:style>
+      </p:cxnSp>
+      <p:cxnSp>
+        <p:nvCxnSpPr>
+          <p:cNvPr id="285" name="Straight Arrow Connector 284">
+            <a:extLst>
+              <a:ext uri="{FF2B5EF4-FFF2-40B4-BE49-F238E27FC236}">
+                <a16:creationId xmlns:a16="http://schemas.microsoft.com/office/drawing/2014/main" id="{3079F902-4A2C-4054-8B6A-680E1009E55E}"/>
+              </a:ext>
+            </a:extLst>
+          </p:cNvPr>
+          <p:cNvCxnSpPr>
+            <a:cxnSpLocks/>
+            <a:stCxn id="270" idx="1"/>
+            <a:endCxn id="262" idx="3"/>
+          </p:cNvCxnSpPr>
+          <p:nvPr/>
+        </p:nvCxnSpPr>
+        <p:spPr>
+          <a:xfrm flipH="1">
+            <a:off x="4360011" y="3481147"/>
+            <a:ext cx="1544934" cy="406092"/>
+          </a:xfrm>
+          <a:prstGeom prst="straightConnector1">
+            <a:avLst/>
+          </a:prstGeom>
+          <a:ln>
+            <a:solidFill>
+              <a:schemeClr val="tx1"/>
+            </a:solidFill>
+            <a:prstDash val="lgDash"/>
+            <a:tailEnd type="triangle"/>
+          </a:ln>
+        </p:spPr>
+        <p:style>
+          <a:lnRef idx="1">
+            <a:schemeClr val="accent1"/>
+          </a:lnRef>
+          <a:fillRef idx="0">
+            <a:schemeClr val="accent1"/>
+          </a:fillRef>
+          <a:effectRef idx="0">
+            <a:schemeClr val="accent1"/>
+          </a:effectRef>
+          <a:fontRef idx="minor">
+            <a:schemeClr val="tx1"/>
+          </a:fontRef>
+        </p:style>
+      </p:cxnSp>
+      <p:cxnSp>
+        <p:nvCxnSpPr>
+          <p:cNvPr id="286" name="Straight Arrow Connector 285">
+            <a:extLst>
+              <a:ext uri="{FF2B5EF4-FFF2-40B4-BE49-F238E27FC236}">
+                <a16:creationId xmlns:a16="http://schemas.microsoft.com/office/drawing/2014/main" id="{BA2EE6DD-CE84-498F-9B98-08E4E6398BE6}"/>
+              </a:ext>
+            </a:extLst>
+          </p:cNvPr>
+          <p:cNvCxnSpPr>
+            <a:cxnSpLocks/>
+            <a:stCxn id="269" idx="1"/>
+            <a:endCxn id="262" idx="3"/>
+          </p:cNvCxnSpPr>
+          <p:nvPr/>
+        </p:nvCxnSpPr>
+        <p:spPr>
+          <a:xfrm flipH="1" flipV="1">
+            <a:off x="4360011" y="3887239"/>
+            <a:ext cx="1544935" cy="248860"/>
+          </a:xfrm>
+          <a:prstGeom prst="straightConnector1">
+            <a:avLst/>
+          </a:prstGeom>
+          <a:ln>
+            <a:solidFill>
+              <a:schemeClr val="tx1"/>
+            </a:solidFill>
+            <a:prstDash val="lgDash"/>
+            <a:tailEnd type="triangle"/>
+          </a:ln>
+        </p:spPr>
+        <p:style>
+          <a:lnRef idx="1">
+            <a:schemeClr val="accent1"/>
+          </a:lnRef>
+          <a:fillRef idx="0">
+            <a:schemeClr val="accent1"/>
+          </a:fillRef>
+          <a:effectRef idx="0">
+            <a:schemeClr val="accent1"/>
+          </a:effectRef>
+          <a:fontRef idx="minor">
+            <a:schemeClr val="tx1"/>
+          </a:fontRef>
+        </p:style>
+      </p:cxnSp>
+      <p:cxnSp>
+        <p:nvCxnSpPr>
+          <p:cNvPr id="287" name="Straight Arrow Connector 286">
+            <a:extLst>
+              <a:ext uri="{FF2B5EF4-FFF2-40B4-BE49-F238E27FC236}">
+                <a16:creationId xmlns:a16="http://schemas.microsoft.com/office/drawing/2014/main" id="{B6395339-17A3-413F-863E-33EBF6FF45DF}"/>
+              </a:ext>
+            </a:extLst>
+          </p:cNvPr>
+          <p:cNvCxnSpPr>
+            <a:cxnSpLocks/>
+            <a:stCxn id="265" idx="1"/>
+            <a:endCxn id="266" idx="3"/>
+          </p:cNvCxnSpPr>
+          <p:nvPr/>
+        </p:nvCxnSpPr>
+        <p:spPr>
+          <a:xfrm flipH="1">
+            <a:off x="4360010" y="5420251"/>
+            <a:ext cx="1544933" cy="1099972"/>
+          </a:xfrm>
+          <a:prstGeom prst="straightConnector1">
+            <a:avLst/>
+          </a:prstGeom>
+          <a:ln>
+            <a:solidFill>
+              <a:schemeClr val="tx1"/>
+            </a:solidFill>
+            <a:prstDash val="lgDash"/>
+            <a:tailEnd type="triangle"/>
+          </a:ln>
+        </p:spPr>
+        <p:style>
+          <a:lnRef idx="1">
+            <a:schemeClr val="accent1"/>
+          </a:lnRef>
+          <a:fillRef idx="0">
+            <a:schemeClr val="accent1"/>
+          </a:fillRef>
+          <a:effectRef idx="0">
+            <a:schemeClr val="accent1"/>
+          </a:effectRef>
+          <a:fontRef idx="minor">
+            <a:schemeClr val="tx1"/>
+          </a:fontRef>
+        </p:style>
+      </p:cxnSp>
+      <p:cxnSp>
+        <p:nvCxnSpPr>
+          <p:cNvPr id="288" name="Straight Arrow Connector 287">
+            <a:extLst>
+              <a:ext uri="{FF2B5EF4-FFF2-40B4-BE49-F238E27FC236}">
+                <a16:creationId xmlns:a16="http://schemas.microsoft.com/office/drawing/2014/main" id="{5CC1CB3B-549F-4C3B-9B82-704C8418D66F}"/>
+              </a:ext>
+            </a:extLst>
+          </p:cNvPr>
+          <p:cNvCxnSpPr>
+            <a:cxnSpLocks/>
+            <a:stCxn id="265" idx="3"/>
+            <a:endCxn id="253" idx="1"/>
+          </p:cNvCxnSpPr>
+          <p:nvPr/>
+        </p:nvCxnSpPr>
+        <p:spPr>
+          <a:xfrm>
+            <a:off x="6747518" y="5420251"/>
+            <a:ext cx="1183366" cy="1043248"/>
+          </a:xfrm>
+          <a:prstGeom prst="straightConnector1">
+            <a:avLst/>
+          </a:prstGeom>
+          <a:ln>
+            <a:solidFill>
+              <a:schemeClr val="tx1"/>
+            </a:solidFill>
+            <a:prstDash val="dashDot"/>
+            <a:tailEnd type="arrow"/>
+          </a:ln>
+        </p:spPr>
+        <p:style>
+          <a:lnRef idx="1">
+            <a:schemeClr val="accent1"/>
+          </a:lnRef>
+          <a:fillRef idx="0">
+            <a:schemeClr val="accent1"/>
+          </a:fillRef>
+          <a:effectRef idx="0">
+            <a:schemeClr val="accent1"/>
+          </a:effectRef>
+          <a:fontRef idx="minor">
+            <a:schemeClr val="tx1"/>
+          </a:fontRef>
+        </p:style>
+      </p:cxnSp>
+      <p:cxnSp>
+        <p:nvCxnSpPr>
+          <p:cNvPr id="289" name="Straight Arrow Connector 288">
+            <a:extLst>
+              <a:ext uri="{FF2B5EF4-FFF2-40B4-BE49-F238E27FC236}">
+                <a16:creationId xmlns:a16="http://schemas.microsoft.com/office/drawing/2014/main" id="{130852EE-8EB7-4977-8C57-F6E550EA79BD}"/>
+              </a:ext>
+            </a:extLst>
+          </p:cNvPr>
+          <p:cNvCxnSpPr>
+            <a:stCxn id="243" idx="3"/>
+            <a:endCxn id="265" idx="1"/>
+          </p:cNvCxnSpPr>
+          <p:nvPr/>
+        </p:nvCxnSpPr>
+        <p:spPr>
+          <a:xfrm flipV="1">
+            <a:off x="1857463" y="5420251"/>
+            <a:ext cx="4047480" cy="15123"/>
+          </a:xfrm>
+          <a:prstGeom prst="straightConnector1">
+            <a:avLst/>
+          </a:prstGeom>
+          <a:ln>
+            <a:solidFill>
+              <a:schemeClr val="tx1"/>
+            </a:solidFill>
+            <a:tailEnd type="triangle"/>
+          </a:ln>
+        </p:spPr>
+        <p:style>
+          <a:lnRef idx="1">
+            <a:schemeClr val="accent1"/>
+          </a:lnRef>
+          <a:fillRef idx="0">
+            <a:schemeClr val="accent1"/>
+          </a:fillRef>
+          <a:effectRef idx="0">
+            <a:schemeClr val="accent1"/>
+          </a:effectRef>
+          <a:fontRef idx="minor">
+            <a:schemeClr val="tx1"/>
+          </a:fontRef>
+        </p:style>
+      </p:cxnSp>
+      <p:cxnSp>
+        <p:nvCxnSpPr>
+          <p:cNvPr id="290" name="Straight Arrow Connector 289">
+            <a:extLst>
+              <a:ext uri="{FF2B5EF4-FFF2-40B4-BE49-F238E27FC236}">
+                <a16:creationId xmlns:a16="http://schemas.microsoft.com/office/drawing/2014/main" id="{D868F998-3A8A-4B73-9905-E9182F697205}"/>
+              </a:ext>
+            </a:extLst>
+          </p:cNvPr>
+          <p:cNvCxnSpPr>
+            <a:cxnSpLocks/>
+            <a:stCxn id="244" idx="3"/>
+            <a:endCxn id="266" idx="1"/>
+          </p:cNvCxnSpPr>
+          <p:nvPr/>
+        </p:nvCxnSpPr>
+        <p:spPr>
+          <a:xfrm flipV="1">
+            <a:off x="1857463" y="6520223"/>
+            <a:ext cx="1600973" cy="13898"/>
+          </a:xfrm>
+          <a:prstGeom prst="straightConnector1">
+            <a:avLst/>
+          </a:prstGeom>
+          <a:ln w="31750">
+            <a:solidFill>
+              <a:schemeClr val="tx1"/>
+            </a:solidFill>
+            <a:tailEnd type="triangle"/>
+          </a:ln>
+        </p:spPr>
+        <p:style>
+          <a:lnRef idx="1">
+            <a:schemeClr val="accent1"/>
+          </a:lnRef>
+          <a:fillRef idx="0">
+            <a:schemeClr val="accent1"/>
+          </a:fillRef>
+          <a:effectRef idx="0">
+            <a:schemeClr val="accent1"/>
+          </a:effectRef>
+          <a:fontRef idx="minor">
+            <a:schemeClr val="tx1"/>
+          </a:fontRef>
+        </p:style>
+      </p:cxnSp>
+      <p:cxnSp>
+        <p:nvCxnSpPr>
+          <p:cNvPr id="291" name="Straight Arrow Connector 290">
+            <a:extLst>
+              <a:ext uri="{FF2B5EF4-FFF2-40B4-BE49-F238E27FC236}">
+                <a16:creationId xmlns:a16="http://schemas.microsoft.com/office/drawing/2014/main" id="{C8045CA6-61F5-41C6-B2F1-0BECA86B54BA}"/>
+              </a:ext>
+            </a:extLst>
+          </p:cNvPr>
+          <p:cNvCxnSpPr>
+            <a:cxnSpLocks/>
+            <a:stCxn id="241" idx="3"/>
+            <a:endCxn id="257" idx="1"/>
+          </p:cNvCxnSpPr>
+          <p:nvPr/>
+        </p:nvCxnSpPr>
+        <p:spPr>
+          <a:xfrm>
+            <a:off x="1857463" y="2031956"/>
+            <a:ext cx="1600976" cy="256718"/>
+          </a:xfrm>
+          <a:prstGeom prst="straightConnector1">
+            <a:avLst/>
+          </a:prstGeom>
+          <a:ln w="31750">
+            <a:solidFill>
+              <a:schemeClr val="tx1"/>
+            </a:solidFill>
+            <a:tailEnd type="triangle"/>
+          </a:ln>
+        </p:spPr>
+        <p:style>
+          <a:lnRef idx="1">
+            <a:schemeClr val="accent1"/>
+          </a:lnRef>
+          <a:fillRef idx="0">
+            <a:schemeClr val="accent1"/>
+          </a:fillRef>
+          <a:effectRef idx="0">
+            <a:schemeClr val="accent1"/>
+          </a:effectRef>
+          <a:fontRef idx="minor">
+            <a:schemeClr val="tx1"/>
+          </a:fontRef>
+        </p:style>
+      </p:cxnSp>
+      <p:cxnSp>
+        <p:nvCxnSpPr>
+          <p:cNvPr id="292" name="Straight Arrow Connector 291">
+            <a:extLst>
+              <a:ext uri="{FF2B5EF4-FFF2-40B4-BE49-F238E27FC236}">
+                <a16:creationId xmlns:a16="http://schemas.microsoft.com/office/drawing/2014/main" id="{E6CF8059-0AE7-4509-BAED-9A5208F9A512}"/>
+              </a:ext>
+            </a:extLst>
+          </p:cNvPr>
+          <p:cNvCxnSpPr>
+            <a:cxnSpLocks/>
+            <a:stCxn id="241" idx="3"/>
+            <a:endCxn id="260" idx="1"/>
+          </p:cNvCxnSpPr>
+          <p:nvPr/>
+        </p:nvCxnSpPr>
+        <p:spPr>
+          <a:xfrm flipV="1">
+            <a:off x="1857463" y="1614675"/>
+            <a:ext cx="1600972" cy="417281"/>
+          </a:xfrm>
+          <a:prstGeom prst="straightConnector1">
+            <a:avLst/>
+          </a:prstGeom>
+          <a:ln>
+            <a:solidFill>
+              <a:schemeClr val="tx1"/>
+            </a:solidFill>
+            <a:tailEnd type="triangle"/>
+          </a:ln>
+        </p:spPr>
+        <p:style>
+          <a:lnRef idx="1">
+            <a:schemeClr val="accent1"/>
+          </a:lnRef>
+          <a:fillRef idx="0">
+            <a:schemeClr val="accent1"/>
+          </a:fillRef>
+          <a:effectRef idx="0">
+            <a:schemeClr val="accent1"/>
+          </a:effectRef>
+          <a:fontRef idx="minor">
+            <a:schemeClr val="tx1"/>
+          </a:fontRef>
+        </p:style>
+      </p:cxnSp>
+      <p:cxnSp>
+        <p:nvCxnSpPr>
+          <p:cNvPr id="293" name="Straight Arrow Connector 292">
+            <a:extLst>
+              <a:ext uri="{FF2B5EF4-FFF2-40B4-BE49-F238E27FC236}">
+                <a16:creationId xmlns:a16="http://schemas.microsoft.com/office/drawing/2014/main" id="{0295CB3E-AB18-4E65-AE70-732209EC58FD}"/>
+              </a:ext>
+            </a:extLst>
+          </p:cNvPr>
+          <p:cNvCxnSpPr>
+            <a:cxnSpLocks/>
+            <a:stCxn id="241" idx="3"/>
+            <a:endCxn id="258" idx="1"/>
+          </p:cNvCxnSpPr>
+          <p:nvPr/>
+        </p:nvCxnSpPr>
+        <p:spPr>
+          <a:xfrm>
+            <a:off x="1857463" y="2031956"/>
+            <a:ext cx="1600975" cy="873393"/>
+          </a:xfrm>
+          <a:prstGeom prst="straightConnector1">
+            <a:avLst/>
+          </a:prstGeom>
+          <a:ln>
+            <a:solidFill>
+              <a:schemeClr val="tx1"/>
+            </a:solidFill>
+            <a:tailEnd type="triangle"/>
+          </a:ln>
+        </p:spPr>
+        <p:style>
+          <a:lnRef idx="1">
+            <a:schemeClr val="accent1"/>
+          </a:lnRef>
+          <a:fillRef idx="0">
+            <a:schemeClr val="accent1"/>
+          </a:fillRef>
+          <a:effectRef idx="0">
+            <a:schemeClr val="accent1"/>
+          </a:effectRef>
+          <a:fontRef idx="minor">
+            <a:schemeClr val="tx1"/>
+          </a:fontRef>
+        </p:style>
+      </p:cxnSp>
+      <p:cxnSp>
+        <p:nvCxnSpPr>
+          <p:cNvPr id="294" name="Straight Arrow Connector 293">
+            <a:extLst>
+              <a:ext uri="{FF2B5EF4-FFF2-40B4-BE49-F238E27FC236}">
+                <a16:creationId xmlns:a16="http://schemas.microsoft.com/office/drawing/2014/main" id="{B7D55CD2-9753-42AF-B803-D7AA03829325}"/>
+              </a:ext>
+            </a:extLst>
+          </p:cNvPr>
+          <p:cNvCxnSpPr>
+            <a:cxnSpLocks/>
+            <a:stCxn id="242" idx="3"/>
+            <a:endCxn id="262" idx="1"/>
+          </p:cNvCxnSpPr>
+          <p:nvPr/>
+        </p:nvCxnSpPr>
+        <p:spPr>
+          <a:xfrm>
+            <a:off x="1857463" y="3867015"/>
+            <a:ext cx="1600974" cy="20224"/>
+          </a:xfrm>
+          <a:prstGeom prst="straightConnector1">
+            <a:avLst/>
+          </a:prstGeom>
+          <a:ln w="31750">
+            <a:solidFill>
+              <a:schemeClr val="tx1"/>
+            </a:solidFill>
+            <a:tailEnd type="triangle"/>
+          </a:ln>
+        </p:spPr>
+        <p:style>
+          <a:lnRef idx="1">
+            <a:schemeClr val="accent1"/>
+          </a:lnRef>
+          <a:fillRef idx="0">
+            <a:schemeClr val="accent1"/>
+          </a:fillRef>
+          <a:effectRef idx="0">
+            <a:schemeClr val="accent1"/>
+          </a:effectRef>
+          <a:fontRef idx="minor">
+            <a:schemeClr val="tx1"/>
+          </a:fontRef>
+        </p:style>
+      </p:cxnSp>
+      <p:cxnSp>
+        <p:nvCxnSpPr>
+          <p:cNvPr id="295" name="Straight Arrow Connector 294">
+            <a:extLst>
+              <a:ext uri="{FF2B5EF4-FFF2-40B4-BE49-F238E27FC236}">
+                <a16:creationId xmlns:a16="http://schemas.microsoft.com/office/drawing/2014/main" id="{7023B35B-8758-482C-A143-31A6727F9C21}"/>
+              </a:ext>
+            </a:extLst>
+          </p:cNvPr>
+          <p:cNvCxnSpPr>
+            <a:stCxn id="257" idx="0"/>
+            <a:endCxn id="260" idx="2"/>
+          </p:cNvCxnSpPr>
+          <p:nvPr/>
+        </p:nvCxnSpPr>
+        <p:spPr>
+          <a:xfrm flipH="1" flipV="1">
+            <a:off x="3909222" y="1743900"/>
+            <a:ext cx="4" cy="415548"/>
+          </a:xfrm>
+          <a:prstGeom prst="straightConnector1">
+            <a:avLst/>
+          </a:prstGeom>
+          <a:ln>
+            <a:solidFill>
+              <a:schemeClr val="tx1"/>
+            </a:solidFill>
+            <a:prstDash val="lgDashDot"/>
+            <a:tailEnd type="arrow"/>
+          </a:ln>
+        </p:spPr>
+        <p:style>
+          <a:lnRef idx="1">
+            <a:schemeClr val="accent1"/>
+          </a:lnRef>
+          <a:fillRef idx="0">
+            <a:schemeClr val="accent1"/>
+          </a:fillRef>
+          <a:effectRef idx="0">
+            <a:schemeClr val="accent1"/>
+          </a:effectRef>
+          <a:fontRef idx="minor">
+            <a:schemeClr val="tx1"/>
+          </a:fontRef>
+        </p:style>
+      </p:cxnSp>
+      <p:cxnSp>
+        <p:nvCxnSpPr>
+          <p:cNvPr id="296" name="Straight Arrow Connector 295">
+            <a:extLst>
+              <a:ext uri="{FF2B5EF4-FFF2-40B4-BE49-F238E27FC236}">
+                <a16:creationId xmlns:a16="http://schemas.microsoft.com/office/drawing/2014/main" id="{27F1E588-067F-4221-A45B-F251097A25FB}"/>
+              </a:ext>
+            </a:extLst>
+          </p:cNvPr>
+          <p:cNvCxnSpPr>
+            <a:cxnSpLocks/>
+            <a:stCxn id="257" idx="2"/>
+            <a:endCxn id="258" idx="0"/>
+          </p:cNvCxnSpPr>
+          <p:nvPr/>
+        </p:nvCxnSpPr>
+        <p:spPr>
+          <a:xfrm flipH="1">
+            <a:off x="3909225" y="2417899"/>
+            <a:ext cx="1" cy="358224"/>
+          </a:xfrm>
+          <a:prstGeom prst="straightConnector1">
+            <a:avLst/>
+          </a:prstGeom>
+          <a:ln>
+            <a:solidFill>
+              <a:schemeClr val="tx1"/>
+            </a:solidFill>
+            <a:prstDash val="lgDashDot"/>
+            <a:tailEnd type="arrow"/>
+          </a:ln>
+        </p:spPr>
+        <p:style>
+          <a:lnRef idx="1">
+            <a:schemeClr val="accent1"/>
+          </a:lnRef>
+          <a:fillRef idx="0">
+            <a:schemeClr val="accent1"/>
+          </a:fillRef>
+          <a:effectRef idx="0">
+            <a:schemeClr val="accent1"/>
+          </a:effectRef>
+          <a:fontRef idx="minor">
+            <a:schemeClr val="tx1"/>
+          </a:fontRef>
+        </p:style>
+      </p:cxnSp>
+      <p:cxnSp>
+        <p:nvCxnSpPr>
+          <p:cNvPr id="297" name="Straight Arrow Connector 296">
+            <a:extLst>
+              <a:ext uri="{FF2B5EF4-FFF2-40B4-BE49-F238E27FC236}">
+                <a16:creationId xmlns:a16="http://schemas.microsoft.com/office/drawing/2014/main" id="{7E59A6E1-7DF8-4D9B-AD8F-6F2D126D49C0}"/>
+              </a:ext>
+            </a:extLst>
+          </p:cNvPr>
+          <p:cNvCxnSpPr>
+            <a:cxnSpLocks/>
+            <a:stCxn id="269" idx="1"/>
+            <a:endCxn id="263" idx="3"/>
+          </p:cNvCxnSpPr>
+          <p:nvPr/>
+        </p:nvCxnSpPr>
+        <p:spPr>
+          <a:xfrm flipH="1">
+            <a:off x="4360011" y="4136099"/>
+            <a:ext cx="1544935" cy="335158"/>
+          </a:xfrm>
+          <a:prstGeom prst="straightConnector1">
+            <a:avLst/>
+          </a:prstGeom>
+          <a:ln>
+            <a:solidFill>
+              <a:schemeClr val="tx1"/>
+            </a:solidFill>
+            <a:prstDash val="lgDashDot"/>
+            <a:tailEnd type="arrow"/>
+          </a:ln>
+        </p:spPr>
+        <p:style>
+          <a:lnRef idx="1">
+            <a:schemeClr val="accent1"/>
+          </a:lnRef>
+          <a:fillRef idx="0">
+            <a:schemeClr val="accent1"/>
+          </a:fillRef>
+          <a:effectRef idx="0">
+            <a:schemeClr val="accent1"/>
+          </a:effectRef>
+          <a:fontRef idx="minor">
+            <a:schemeClr val="tx1"/>
+          </a:fontRef>
+        </p:style>
+      </p:cxnSp>
+      <p:cxnSp>
+        <p:nvCxnSpPr>
+          <p:cNvPr id="298" name="Straight Arrow Connector 297">
+            <a:extLst>
+              <a:ext uri="{FF2B5EF4-FFF2-40B4-BE49-F238E27FC236}">
+                <a16:creationId xmlns:a16="http://schemas.microsoft.com/office/drawing/2014/main" id="{562DEFC5-C414-4E2A-ADFE-1EEA244E46C1}"/>
+              </a:ext>
+            </a:extLst>
+          </p:cNvPr>
+          <p:cNvCxnSpPr>
+            <a:cxnSpLocks/>
+            <a:stCxn id="263" idx="2"/>
+            <a:endCxn id="264" idx="0"/>
+          </p:cNvCxnSpPr>
+          <p:nvPr/>
+        </p:nvCxnSpPr>
+        <p:spPr>
+          <a:xfrm flipH="1">
+            <a:off x="3909223" y="4600482"/>
+            <a:ext cx="1" cy="330468"/>
+          </a:xfrm>
+          <a:prstGeom prst="straightConnector1">
+            <a:avLst/>
+          </a:prstGeom>
+          <a:ln>
+            <a:solidFill>
+              <a:schemeClr val="tx1"/>
+            </a:solidFill>
+            <a:prstDash val="lgDashDot"/>
+            <a:tailEnd type="arrow"/>
+          </a:ln>
+        </p:spPr>
+        <p:style>
+          <a:lnRef idx="1">
+            <a:schemeClr val="accent1"/>
+          </a:lnRef>
+          <a:fillRef idx="0">
+            <a:schemeClr val="accent1"/>
+          </a:fillRef>
+          <a:effectRef idx="0">
+            <a:schemeClr val="accent1"/>
+          </a:effectRef>
+          <a:fontRef idx="minor">
+            <a:schemeClr val="tx1"/>
+          </a:fontRef>
+        </p:style>
+      </p:cxnSp>
+      <p:sp>
+        <p:nvSpPr>
+          <p:cNvPr id="299" name="TextBox 298">
+            <a:extLst>
+              <a:ext uri="{FF2B5EF4-FFF2-40B4-BE49-F238E27FC236}">
+                <a16:creationId xmlns:a16="http://schemas.microsoft.com/office/drawing/2014/main" id="{A7A77D86-CFEA-47FC-994A-C4461ADBFDA3}"/>
+              </a:ext>
+            </a:extLst>
+          </p:cNvPr>
+          <p:cNvSpPr txBox="1"/>
+          <p:nvPr/>
+        </p:nvSpPr>
+        <p:spPr>
+          <a:xfrm>
+            <a:off x="3886957" y="1827131"/>
+            <a:ext cx="774980" cy="253916"/>
+          </a:xfrm>
+          <a:prstGeom prst="rect">
+            <a:avLst/>
+          </a:prstGeom>
+          <a:noFill/>
+        </p:spPr>
+        <p:txBody>
+          <a:bodyPr wrap="square" rtlCol="0">
+            <a:spAutoFit/>
+          </a:bodyPr>
+          <a:lstStyle/>
+          <a:p>
+            <a:pPr algn="ctr"/>
+            <a:r>
+              <a:rPr lang="en-US" sz="1050" i="1" dirty="0"/>
+              <a:t>mapping</a:t>
+            </a:r>
+          </a:p>
+        </p:txBody>
+      </p:sp>
+      <p:sp>
+        <p:nvSpPr>
+          <p:cNvPr id="300" name="TextBox 299">
+            <a:extLst>
+              <a:ext uri="{FF2B5EF4-FFF2-40B4-BE49-F238E27FC236}">
+                <a16:creationId xmlns:a16="http://schemas.microsoft.com/office/drawing/2014/main" id="{02C6AAF8-AF3E-4572-97FF-51DBD326CE50}"/>
+              </a:ext>
+            </a:extLst>
+          </p:cNvPr>
+          <p:cNvSpPr txBox="1"/>
+          <p:nvPr/>
+        </p:nvSpPr>
+        <p:spPr>
+          <a:xfrm>
+            <a:off x="3880816" y="2437770"/>
+            <a:ext cx="774980" cy="253916"/>
+          </a:xfrm>
+          <a:prstGeom prst="rect">
+            <a:avLst/>
+          </a:prstGeom>
+          <a:noFill/>
+        </p:spPr>
+        <p:txBody>
+          <a:bodyPr wrap="square" rtlCol="0">
+            <a:spAutoFit/>
+          </a:bodyPr>
+          <a:lstStyle/>
+          <a:p>
+            <a:pPr algn="ctr"/>
+            <a:r>
+              <a:rPr lang="en-US" sz="1050" i="1" dirty="0"/>
+              <a:t>mapping</a:t>
+            </a:r>
+          </a:p>
+        </p:txBody>
+      </p:sp>
+      <p:sp>
+        <p:nvSpPr>
+          <p:cNvPr id="301" name="TextBox 300">
+            <a:extLst>
+              <a:ext uri="{FF2B5EF4-FFF2-40B4-BE49-F238E27FC236}">
+                <a16:creationId xmlns:a16="http://schemas.microsoft.com/office/drawing/2014/main" id="{40302EBE-B804-4EC0-9C72-7AE7C6AE8193}"/>
+              </a:ext>
+            </a:extLst>
+          </p:cNvPr>
+          <p:cNvSpPr txBox="1"/>
+          <p:nvPr/>
+        </p:nvSpPr>
+        <p:spPr>
+          <a:xfrm>
+            <a:off x="4646612" y="4114800"/>
+            <a:ext cx="774980" cy="253916"/>
+          </a:xfrm>
+          <a:prstGeom prst="rect">
+            <a:avLst/>
+          </a:prstGeom>
+          <a:noFill/>
+        </p:spPr>
+        <p:txBody>
+          <a:bodyPr wrap="square" rtlCol="0">
+            <a:spAutoFit/>
+          </a:bodyPr>
+          <a:lstStyle/>
+          <a:p>
+            <a:pPr algn="ctr"/>
+            <a:r>
+              <a:rPr lang="en-US" sz="1050" i="1" dirty="0"/>
+              <a:t>mapping</a:t>
+            </a:r>
+          </a:p>
+        </p:txBody>
+      </p:sp>
+      <p:sp>
+        <p:nvSpPr>
+          <p:cNvPr id="302" name="TextBox 301">
+            <a:extLst>
+              <a:ext uri="{FF2B5EF4-FFF2-40B4-BE49-F238E27FC236}">
+                <a16:creationId xmlns:a16="http://schemas.microsoft.com/office/drawing/2014/main" id="{11A87763-9168-4ABD-99EF-ECD23F7B4FA0}"/>
+              </a:ext>
+            </a:extLst>
+          </p:cNvPr>
+          <p:cNvSpPr txBox="1"/>
+          <p:nvPr/>
+        </p:nvSpPr>
+        <p:spPr>
+          <a:xfrm>
+            <a:off x="3905464" y="4628840"/>
+            <a:ext cx="774980" cy="253916"/>
+          </a:xfrm>
+          <a:prstGeom prst="rect">
+            <a:avLst/>
+          </a:prstGeom>
+          <a:noFill/>
+        </p:spPr>
+        <p:txBody>
+          <a:bodyPr wrap="square" rtlCol="0">
+            <a:spAutoFit/>
+          </a:bodyPr>
+          <a:lstStyle/>
+          <a:p>
+            <a:pPr algn="ctr"/>
+            <a:r>
+              <a:rPr lang="en-US" sz="1050" i="1" dirty="0"/>
+              <a:t>mapping</a:t>
+            </a:r>
+          </a:p>
+        </p:txBody>
+      </p:sp>
+      <p:cxnSp>
+        <p:nvCxnSpPr>
+          <p:cNvPr id="303" name="Straight Arrow Connector 302">
+            <a:extLst>
+              <a:ext uri="{FF2B5EF4-FFF2-40B4-BE49-F238E27FC236}">
+                <a16:creationId xmlns:a16="http://schemas.microsoft.com/office/drawing/2014/main" id="{03FA0761-52FE-4288-9D5F-FF184C637398}"/>
+              </a:ext>
+            </a:extLst>
+          </p:cNvPr>
+          <p:cNvCxnSpPr>
+            <a:cxnSpLocks/>
+            <a:stCxn id="242" idx="3"/>
+            <a:endCxn id="264" idx="1"/>
+          </p:cNvCxnSpPr>
+          <p:nvPr/>
+        </p:nvCxnSpPr>
+        <p:spPr>
+          <a:xfrm>
+            <a:off x="1857463" y="3867015"/>
+            <a:ext cx="1600973" cy="1193161"/>
+          </a:xfrm>
+          <a:prstGeom prst="straightConnector1">
+            <a:avLst/>
+          </a:prstGeom>
+          <a:ln>
+            <a:solidFill>
+              <a:schemeClr val="tx1"/>
+            </a:solidFill>
+            <a:tailEnd type="triangle"/>
+          </a:ln>
+        </p:spPr>
+        <p:style>
+          <a:lnRef idx="1">
+            <a:schemeClr val="accent1"/>
+          </a:lnRef>
+          <a:fillRef idx="0">
+            <a:schemeClr val="accent1"/>
+          </a:fillRef>
+          <a:effectRef idx="0">
+            <a:schemeClr val="accent1"/>
+          </a:effectRef>
+          <a:fontRef idx="minor">
+            <a:schemeClr val="tx1"/>
+          </a:fontRef>
+        </p:style>
+      </p:cxnSp>
+      <p:cxnSp>
+        <p:nvCxnSpPr>
+          <p:cNvPr id="304" name="Straight Arrow Connector 303">
+            <a:extLst>
+              <a:ext uri="{FF2B5EF4-FFF2-40B4-BE49-F238E27FC236}">
+                <a16:creationId xmlns:a16="http://schemas.microsoft.com/office/drawing/2014/main" id="{3CC4AB9A-0E47-42D8-B2B5-1C4722D66893}"/>
+              </a:ext>
+            </a:extLst>
+          </p:cNvPr>
+          <p:cNvCxnSpPr>
+            <a:cxnSpLocks/>
+            <a:stCxn id="242" idx="3"/>
+            <a:endCxn id="263" idx="1"/>
+          </p:cNvCxnSpPr>
+          <p:nvPr/>
+        </p:nvCxnSpPr>
+        <p:spPr>
+          <a:xfrm>
+            <a:off x="1857463" y="3867015"/>
+            <a:ext cx="1600974" cy="604242"/>
+          </a:xfrm>
+          <a:prstGeom prst="straightConnector1">
+            <a:avLst/>
+          </a:prstGeom>
+          <a:ln>
+            <a:solidFill>
+              <a:schemeClr val="tx1"/>
+            </a:solidFill>
+            <a:tailEnd type="triangle"/>
+          </a:ln>
+        </p:spPr>
+        <p:style>
+          <a:lnRef idx="1">
+            <a:schemeClr val="accent1"/>
+          </a:lnRef>
+          <a:fillRef idx="0">
+            <a:schemeClr val="accent1"/>
+          </a:fillRef>
+          <a:effectRef idx="0">
+            <a:schemeClr val="accent1"/>
+          </a:effectRef>
+          <a:fontRef idx="minor">
+            <a:schemeClr val="tx1"/>
+          </a:fontRef>
+        </p:style>
+      </p:cxnSp>
+      <p:cxnSp>
+        <p:nvCxnSpPr>
+          <p:cNvPr id="305" name="Connector: Curved 304">
+            <a:extLst>
+              <a:ext uri="{FF2B5EF4-FFF2-40B4-BE49-F238E27FC236}">
+                <a16:creationId xmlns:a16="http://schemas.microsoft.com/office/drawing/2014/main" id="{C15516EC-141C-4CD4-9878-0B929998EEF8}"/>
+              </a:ext>
+            </a:extLst>
+          </p:cNvPr>
+          <p:cNvCxnSpPr>
+            <a:cxnSpLocks/>
+            <a:stCxn id="241" idx="2"/>
+            <a:endCxn id="270" idx="1"/>
+          </p:cNvCxnSpPr>
+          <p:nvPr/>
+        </p:nvCxnSpPr>
+        <p:spPr>
+          <a:xfrm rot="16200000" flipH="1">
+            <a:off x="2968671" y="544872"/>
+            <a:ext cx="1184621" cy="4687928"/>
+          </a:xfrm>
+          <a:prstGeom prst="curvedConnector2">
+            <a:avLst/>
+          </a:prstGeom>
+          <a:ln>
+            <a:solidFill>
+              <a:schemeClr val="tx1"/>
+            </a:solidFill>
+            <a:tailEnd type="triangle"/>
+          </a:ln>
+        </p:spPr>
+        <p:style>
+          <a:lnRef idx="1">
+            <a:schemeClr val="accent1"/>
+          </a:lnRef>
+          <a:fillRef idx="0">
+            <a:schemeClr val="accent1"/>
+          </a:fillRef>
+          <a:effectRef idx="0">
+            <a:schemeClr val="accent1"/>
+          </a:effectRef>
+          <a:fontRef idx="minor">
+            <a:schemeClr val="tx1"/>
+          </a:fontRef>
+        </p:style>
+      </p:cxnSp>
+      <p:cxnSp>
+        <p:nvCxnSpPr>
+          <p:cNvPr id="306" name="Straight Arrow Connector 305">
+            <a:extLst>
+              <a:ext uri="{FF2B5EF4-FFF2-40B4-BE49-F238E27FC236}">
+                <a16:creationId xmlns:a16="http://schemas.microsoft.com/office/drawing/2014/main" id="{E570DA10-1293-4FC6-8150-DA29C663FBF9}"/>
+              </a:ext>
+            </a:extLst>
+          </p:cNvPr>
+          <p:cNvCxnSpPr>
+            <a:cxnSpLocks/>
+            <a:stCxn id="237" idx="3"/>
+            <a:endCxn id="238" idx="1"/>
+          </p:cNvCxnSpPr>
+          <p:nvPr/>
+        </p:nvCxnSpPr>
+        <p:spPr>
+          <a:xfrm flipV="1">
+            <a:off x="1912472" y="560169"/>
+            <a:ext cx="1330751" cy="12774"/>
+          </a:xfrm>
+          <a:prstGeom prst="straightConnector1">
+            <a:avLst/>
+          </a:prstGeom>
+          <a:ln>
+            <a:solidFill>
+              <a:schemeClr val="tx1"/>
+            </a:solidFill>
+            <a:tailEnd type="triangle"/>
+          </a:ln>
+        </p:spPr>
+        <p:style>
+          <a:lnRef idx="1">
+            <a:schemeClr val="accent1"/>
+          </a:lnRef>
+          <a:fillRef idx="0">
+            <a:schemeClr val="accent1"/>
+          </a:fillRef>
+          <a:effectRef idx="0">
+            <a:schemeClr val="accent1"/>
+          </a:effectRef>
+          <a:fontRef idx="minor">
+            <a:schemeClr val="tx1"/>
+          </a:fontRef>
+        </p:style>
+      </p:cxnSp>
+      <p:sp>
+        <p:nvSpPr>
+          <p:cNvPr id="307" name="TextBox 306">
+            <a:extLst>
+              <a:ext uri="{FF2B5EF4-FFF2-40B4-BE49-F238E27FC236}">
+                <a16:creationId xmlns:a16="http://schemas.microsoft.com/office/drawing/2014/main" id="{90CB3569-FA0D-42F4-9179-3A1A73B30F34}"/>
+              </a:ext>
+            </a:extLst>
+          </p:cNvPr>
+          <p:cNvSpPr txBox="1"/>
+          <p:nvPr/>
+        </p:nvSpPr>
+        <p:spPr>
+          <a:xfrm>
+            <a:off x="2070860" y="591376"/>
+            <a:ext cx="900321" cy="577081"/>
+          </a:xfrm>
+          <a:prstGeom prst="rect">
+            <a:avLst/>
+          </a:prstGeom>
+          <a:noFill/>
+        </p:spPr>
+        <p:txBody>
+          <a:bodyPr wrap="square" rtlCol="0">
+            <a:spAutoFit/>
+          </a:bodyPr>
+          <a:lstStyle/>
+          <a:p>
+            <a:pPr algn="ctr"/>
+            <a:r>
+              <a:rPr lang="en-US" sz="1050" i="1" dirty="0"/>
+              <a:t>expressed In</a:t>
+            </a:r>
+          </a:p>
+          <a:p>
+            <a:pPr algn="ctr"/>
+            <a:r>
+              <a:rPr lang="en-US" sz="1050" i="1" dirty="0"/>
+              <a:t>(</a:t>
+            </a:r>
+            <a:r>
+              <a:rPr lang="en-US" sz="1050" b="1" i="1" dirty="0"/>
+              <a:t>primary</a:t>
+            </a:r>
+            <a:r>
+              <a:rPr lang="en-US" sz="1050" i="1" dirty="0"/>
+              <a:t>)</a:t>
+            </a:r>
+          </a:p>
+        </p:txBody>
+      </p:sp>
+      <p:cxnSp>
+        <p:nvCxnSpPr>
+          <p:cNvPr id="308" name="Straight Arrow Connector 307">
+            <a:extLst>
+              <a:ext uri="{FF2B5EF4-FFF2-40B4-BE49-F238E27FC236}">
+                <a16:creationId xmlns:a16="http://schemas.microsoft.com/office/drawing/2014/main" id="{80792F69-7702-42B3-936B-9E6455D86522}"/>
+              </a:ext>
+            </a:extLst>
+          </p:cNvPr>
+          <p:cNvCxnSpPr>
+            <a:cxnSpLocks/>
+            <a:stCxn id="239" idx="1"/>
+            <a:endCxn id="238" idx="3"/>
+          </p:cNvCxnSpPr>
+          <p:nvPr/>
+        </p:nvCxnSpPr>
+        <p:spPr>
+          <a:xfrm flipH="1">
+            <a:off x="4568776" y="560168"/>
+            <a:ext cx="1199145" cy="1"/>
+          </a:xfrm>
+          <a:prstGeom prst="straightConnector1">
+            <a:avLst/>
+          </a:prstGeom>
+          <a:ln>
+            <a:solidFill>
+              <a:schemeClr val="tx1"/>
+            </a:solidFill>
+            <a:prstDash val="lgDash"/>
+            <a:tailEnd type="triangle"/>
+          </a:ln>
+        </p:spPr>
+        <p:style>
+          <a:lnRef idx="1">
+            <a:schemeClr val="accent1"/>
+          </a:lnRef>
+          <a:fillRef idx="0">
+            <a:schemeClr val="accent1"/>
+          </a:fillRef>
+          <a:effectRef idx="0">
+            <a:schemeClr val="accent1"/>
+          </a:effectRef>
+          <a:fontRef idx="minor">
+            <a:schemeClr val="tx1"/>
+          </a:fontRef>
+        </p:style>
+      </p:cxnSp>
+      <p:sp>
+        <p:nvSpPr>
+          <p:cNvPr id="309" name="TextBox 308">
+            <a:extLst>
+              <a:ext uri="{FF2B5EF4-FFF2-40B4-BE49-F238E27FC236}">
+                <a16:creationId xmlns:a16="http://schemas.microsoft.com/office/drawing/2014/main" id="{74F35D7D-9739-48A6-8FAA-B226B11E3F8B}"/>
+              </a:ext>
+            </a:extLst>
+          </p:cNvPr>
+          <p:cNvSpPr txBox="1"/>
+          <p:nvPr/>
+        </p:nvSpPr>
+        <p:spPr>
+          <a:xfrm>
+            <a:off x="4716888" y="556330"/>
+            <a:ext cx="900321" cy="253916"/>
+          </a:xfrm>
+          <a:prstGeom prst="rect">
+            <a:avLst/>
+          </a:prstGeom>
+          <a:noFill/>
+        </p:spPr>
+        <p:txBody>
+          <a:bodyPr wrap="square" rtlCol="0">
+            <a:spAutoFit/>
+          </a:bodyPr>
+          <a:lstStyle/>
+          <a:p>
+            <a:pPr algn="ctr"/>
+            <a:r>
+              <a:rPr lang="en-US" sz="1050" i="1" dirty="0"/>
+              <a:t>profile of</a:t>
+            </a:r>
+          </a:p>
+        </p:txBody>
+      </p:sp>
+      <p:cxnSp>
+        <p:nvCxnSpPr>
+          <p:cNvPr id="310" name="Straight Arrow Connector 309">
+            <a:extLst>
+              <a:ext uri="{FF2B5EF4-FFF2-40B4-BE49-F238E27FC236}">
+                <a16:creationId xmlns:a16="http://schemas.microsoft.com/office/drawing/2014/main" id="{0A4ADC9B-4B56-4CBA-8821-3880F26B561A}"/>
+              </a:ext>
+            </a:extLst>
+          </p:cNvPr>
+          <p:cNvCxnSpPr>
+            <a:cxnSpLocks/>
+            <a:stCxn id="267" idx="3"/>
+            <a:endCxn id="240" idx="1"/>
+          </p:cNvCxnSpPr>
+          <p:nvPr/>
+        </p:nvCxnSpPr>
+        <p:spPr>
+          <a:xfrm>
+            <a:off x="8782988" y="575698"/>
+            <a:ext cx="659247" cy="3520"/>
+          </a:xfrm>
+          <a:prstGeom prst="straightConnector1">
+            <a:avLst/>
+          </a:prstGeom>
+          <a:ln>
+            <a:solidFill>
+              <a:schemeClr val="tx1"/>
+            </a:solidFill>
+            <a:prstDash val="dashDot"/>
+            <a:tailEnd type="arrow"/>
+          </a:ln>
+        </p:spPr>
+        <p:style>
+          <a:lnRef idx="1">
+            <a:schemeClr val="accent1"/>
+          </a:lnRef>
+          <a:fillRef idx="0">
+            <a:schemeClr val="accent1"/>
+          </a:fillRef>
+          <a:effectRef idx="0">
+            <a:schemeClr val="accent1"/>
+          </a:effectRef>
+          <a:fontRef idx="minor">
+            <a:schemeClr val="tx1"/>
+          </a:fontRef>
+        </p:style>
+      </p:cxnSp>
+      <p:sp>
+        <p:nvSpPr>
+          <p:cNvPr id="311" name="TextBox 310">
+            <a:extLst>
+              <a:ext uri="{FF2B5EF4-FFF2-40B4-BE49-F238E27FC236}">
+                <a16:creationId xmlns:a16="http://schemas.microsoft.com/office/drawing/2014/main" id="{EF3495B8-F4F1-4C0D-A722-668473F36B6B}"/>
+              </a:ext>
+            </a:extLst>
+          </p:cNvPr>
+          <p:cNvSpPr txBox="1"/>
+          <p:nvPr/>
+        </p:nvSpPr>
+        <p:spPr>
+          <a:xfrm>
+            <a:off x="8698950" y="612150"/>
+            <a:ext cx="900321" cy="253916"/>
+          </a:xfrm>
+          <a:prstGeom prst="rect">
+            <a:avLst/>
+          </a:prstGeom>
+          <a:noFill/>
+        </p:spPr>
+        <p:txBody>
+          <a:bodyPr wrap="square" rtlCol="0">
+            <a:spAutoFit/>
+          </a:bodyPr>
+          <a:lstStyle/>
+          <a:p>
+            <a:pPr algn="ctr"/>
+            <a:r>
+              <a:rPr lang="en-US" sz="1050" i="1" dirty="0"/>
+              <a:t>uses</a:t>
+            </a:r>
+          </a:p>
+        </p:txBody>
+      </p:sp>
+      <p:cxnSp>
+        <p:nvCxnSpPr>
+          <p:cNvPr id="312" name="Connector: Curved 311">
+            <a:extLst>
+              <a:ext uri="{FF2B5EF4-FFF2-40B4-BE49-F238E27FC236}">
+                <a16:creationId xmlns:a16="http://schemas.microsoft.com/office/drawing/2014/main" id="{DF696746-A889-479E-8F04-A20DB6AD3A63}"/>
+              </a:ext>
+            </a:extLst>
+          </p:cNvPr>
+          <p:cNvCxnSpPr>
+            <a:stCxn id="238" idx="0"/>
+            <a:endCxn id="267" idx="0"/>
+          </p:cNvCxnSpPr>
+          <p:nvPr/>
+        </p:nvCxnSpPr>
+        <p:spPr>
+          <a:xfrm rot="16200000" flipH="1">
+            <a:off x="6039335" y="-1861708"/>
+            <a:ext cx="15529" cy="4282200"/>
+          </a:xfrm>
+          <a:prstGeom prst="curvedConnector3">
+            <a:avLst>
+              <a:gd name="adj1" fmla="val -865040"/>
+            </a:avLst>
+          </a:prstGeom>
+          <a:ln>
+            <a:solidFill>
+              <a:schemeClr val="tx1"/>
+            </a:solidFill>
+            <a:prstDash val="dashDot"/>
+            <a:tailEnd type="triangle"/>
+          </a:ln>
+        </p:spPr>
+        <p:style>
+          <a:lnRef idx="1">
+            <a:schemeClr val="accent1"/>
+          </a:lnRef>
+          <a:fillRef idx="0">
+            <a:schemeClr val="accent1"/>
+          </a:fillRef>
+          <a:effectRef idx="0">
+            <a:schemeClr val="accent1"/>
+          </a:effectRef>
+          <a:fontRef idx="minor">
+            <a:schemeClr val="tx1"/>
+          </a:fontRef>
+        </p:style>
+      </p:cxnSp>
+      <p:cxnSp>
+        <p:nvCxnSpPr>
+          <p:cNvPr id="313" name="Straight Arrow Connector 312">
+            <a:extLst>
+              <a:ext uri="{FF2B5EF4-FFF2-40B4-BE49-F238E27FC236}">
+                <a16:creationId xmlns:a16="http://schemas.microsoft.com/office/drawing/2014/main" id="{422D84EE-C3AA-45FD-B4D8-6A3D67464A32}"/>
+              </a:ext>
+            </a:extLst>
+          </p:cNvPr>
+          <p:cNvCxnSpPr>
+            <a:cxnSpLocks/>
+            <a:stCxn id="263" idx="3"/>
+            <a:endCxn id="254" idx="2"/>
+          </p:cNvCxnSpPr>
+          <p:nvPr/>
+        </p:nvCxnSpPr>
+        <p:spPr>
+          <a:xfrm>
+            <a:off x="4360011" y="4471257"/>
+            <a:ext cx="5305937" cy="566793"/>
+          </a:xfrm>
+          <a:prstGeom prst="straightConnector1">
+            <a:avLst/>
+          </a:prstGeom>
+          <a:ln>
+            <a:solidFill>
+              <a:schemeClr val="tx1"/>
+            </a:solidFill>
+            <a:prstDash val="dashDot"/>
+            <a:tailEnd type="arrow"/>
+          </a:ln>
+        </p:spPr>
+        <p:style>
+          <a:lnRef idx="1">
+            <a:schemeClr val="accent1"/>
+          </a:lnRef>
+          <a:fillRef idx="0">
+            <a:schemeClr val="accent1"/>
+          </a:fillRef>
+          <a:effectRef idx="0">
+            <a:schemeClr val="accent1"/>
+          </a:effectRef>
+          <a:fontRef idx="minor">
+            <a:schemeClr val="tx1"/>
+          </a:fontRef>
+        </p:style>
+      </p:cxnSp>
+      <p:cxnSp>
+        <p:nvCxnSpPr>
+          <p:cNvPr id="314" name="Connector: Curved 313">
+            <a:extLst>
+              <a:ext uri="{FF2B5EF4-FFF2-40B4-BE49-F238E27FC236}">
+                <a16:creationId xmlns:a16="http://schemas.microsoft.com/office/drawing/2014/main" id="{9A5F5D99-A9A9-4C1A-B2C7-8BBAC0802136}"/>
+              </a:ext>
+            </a:extLst>
+          </p:cNvPr>
+          <p:cNvCxnSpPr>
+            <a:cxnSpLocks/>
+            <a:stCxn id="264" idx="3"/>
+            <a:endCxn id="255" idx="4"/>
+          </p:cNvCxnSpPr>
+          <p:nvPr/>
+        </p:nvCxnSpPr>
+        <p:spPr>
+          <a:xfrm flipV="1">
+            <a:off x="4360010" y="2994898"/>
+            <a:ext cx="5674959" cy="2065278"/>
+          </a:xfrm>
+          <a:prstGeom prst="curvedConnector2">
+            <a:avLst/>
+          </a:prstGeom>
+          <a:ln>
+            <a:solidFill>
+              <a:schemeClr val="tx1"/>
+            </a:solidFill>
+            <a:prstDash val="dashDot"/>
+            <a:tailEnd type="triangle"/>
+          </a:ln>
+        </p:spPr>
+        <p:style>
+          <a:lnRef idx="1">
+            <a:schemeClr val="accent1"/>
+          </a:lnRef>
+          <a:fillRef idx="0">
+            <a:schemeClr val="accent1"/>
+          </a:fillRef>
+          <a:effectRef idx="0">
+            <a:schemeClr val="accent1"/>
+          </a:effectRef>
+          <a:fontRef idx="minor">
+            <a:schemeClr val="tx1"/>
+          </a:fontRef>
+        </p:style>
+      </p:cxnSp>
+      <p:sp>
+        <p:nvSpPr>
+          <p:cNvPr id="317" name="TextBox 316">
+            <a:extLst>
+              <a:ext uri="{FF2B5EF4-FFF2-40B4-BE49-F238E27FC236}">
+                <a16:creationId xmlns:a16="http://schemas.microsoft.com/office/drawing/2014/main" id="{9763C202-30C8-4357-9DAF-FEF9E526161E}"/>
+              </a:ext>
+            </a:extLst>
+          </p:cNvPr>
+          <p:cNvSpPr txBox="1"/>
+          <p:nvPr/>
+        </p:nvSpPr>
+        <p:spPr>
+          <a:xfrm>
+            <a:off x="4951412" y="127084"/>
+            <a:ext cx="900321" cy="253916"/>
+          </a:xfrm>
+          <a:prstGeom prst="rect">
+            <a:avLst/>
+          </a:prstGeom>
+          <a:noFill/>
+        </p:spPr>
+        <p:txBody>
+          <a:bodyPr wrap="square" rtlCol="0">
+            <a:spAutoFit/>
+          </a:bodyPr>
+          <a:lstStyle/>
+          <a:p>
+            <a:pPr algn="ctr"/>
+            <a:r>
+              <a:rPr lang="en-US" sz="1050" i="1" dirty="0"/>
+              <a:t>uses</a:t>
+            </a:r>
+          </a:p>
+        </p:txBody>
+      </p:sp>
+    </p:spTree>
+    <p:extLst>
+      <p:ext uri="{BB962C8B-B14F-4D97-AF65-F5344CB8AC3E}">
+        <p14:creationId xmlns:p14="http://schemas.microsoft.com/office/powerpoint/2010/main" val="3212620528"/>
+      </p:ext>
+    </p:extLst>
+  </p:cSld>
+  <p:clrMapOvr>
+    <a:masterClrMapping/>
+  </p:clrMapOvr>
+</p:sld>
+</file>
+
+<file path=ppt/slides/slide2.xml><?xml version="1.0" encoding="utf-8"?>
+<p:sld xmlns:a="http://schemas.openxmlformats.org/drawingml/2006/main" xmlns:r="http://schemas.openxmlformats.org/officeDocument/2006/relationships" xmlns:p="http://schemas.openxmlformats.org/presentationml/2006/main">
+  <p:cSld>
+    <p:spTree>
+      <p:nvGrpSpPr>
+        <p:cNvPr id="1" name=""/>
+        <p:cNvGrpSpPr/>
+        <p:nvPr/>
+      </p:nvGrpSpPr>
+      <p:grpSpPr>
+        <a:xfrm>
+          <a:off x="0" y="0"/>
+          <a:ext cx="0" cy="0"/>
+          <a:chOff x="0" y="0"/>
+          <a:chExt cx="0" cy="0"/>
+        </a:xfrm>
+      </p:grpSpPr>
+      <p:sp>
+        <p:nvSpPr>
+          <p:cNvPr id="3" name="Rectangle 2"/>
+          <p:cNvSpPr/>
+          <p:nvPr/>
+        </p:nvSpPr>
+        <p:spPr>
+          <a:xfrm>
+            <a:off x="2589212" y="1447800"/>
+            <a:ext cx="990600" cy="533400"/>
+          </a:xfrm>
+          <a:prstGeom prst="rect">
+            <a:avLst/>
+          </a:prstGeom>
+        </p:spPr>
+        <p:style>
+          <a:lnRef idx="2">
+            <a:schemeClr val="dk1"/>
+          </a:lnRef>
+          <a:fillRef idx="1">
+            <a:schemeClr val="lt1"/>
+          </a:fillRef>
+          <a:effectRef idx="0">
+            <a:schemeClr val="dk1"/>
+          </a:effectRef>
+          <a:fontRef idx="minor">
+            <a:schemeClr val="dk1"/>
+          </a:fontRef>
+        </p:style>
+        <p:txBody>
+          <a:bodyPr rtlCol="0" anchor="ctr"/>
+          <a:lstStyle/>
+          <a:p>
+            <a:pPr algn="ctr"/>
+            <a:br>
+              <a:rPr lang="en-US" sz="400" dirty="0"/>
+            </a:br>
+            <a:r>
+              <a:rPr lang="en-US" sz="900" dirty="0"/>
               <a:t>API4KP Ontologies</a:t>
             </a:r>
             <a:br>
-              <a:rPr lang="en-US" sz="900" dirty="0" smtClean="0"/>
+              <a:rPr lang="en-US" sz="900" dirty="0"/>
             </a:br>
-            <a:r>
-              <a:rPr lang="en-US" sz="400" dirty="0" smtClean="0"/>
-              <a:t/>
-            </a:r>
             <a:br>
-              <a:rPr lang="en-US" sz="400" dirty="0" smtClean="0"/>
+              <a:rPr lang="en-US" sz="400" dirty="0"/>
             </a:br>
             <a:r>
-              <a:rPr lang="en-US" sz="600" dirty="0" smtClean="0"/>
+              <a:rPr lang="en-US" sz="600" dirty="0"/>
               <a:t>owl-v2 [DL] + </a:t>
             </a:r>
             <a:r>
-              <a:rPr lang="en-US" sz="600" dirty="0" err="1" smtClean="0"/>
+              <a:rPr lang="en-US" sz="600" dirty="0" err="1"/>
               <a:t>rdf</a:t>
             </a:r>
             <a:r>
-              <a:rPr lang="en-US" sz="600" dirty="0" smtClean="0"/>
+              <a:rPr lang="en-US" sz="600" dirty="0"/>
               <a:t> / xml</a:t>
             </a:r>
-            <a:endParaRPr lang="en-US" sz="600" dirty="0"/>
           </a:p>
         </p:txBody>
       </p:sp>
@@ -4782,7 +8427,7 @@
         </p:nvSpPr>
         <p:spPr>
           <a:xfrm>
-            <a:off x="609600" y="2038350"/>
+            <a:off x="2589212" y="2895600"/>
             <a:ext cx="990600" cy="533400"/>
           </a:xfrm>
           <a:prstGeom prst="rect">
@@ -4808,40 +8453,31 @@
           <a:lstStyle/>
           <a:p>
             <a:pPr algn="ctr"/>
-            <a:r>
-              <a:rPr lang="en-US" sz="400" dirty="0" smtClean="0"/>
-              <a:t/>
-            </a:r>
             <a:br>
-              <a:rPr lang="en-US" sz="400" dirty="0" smtClean="0"/>
+              <a:rPr lang="en-US" sz="400" dirty="0"/>
             </a:br>
             <a:r>
-              <a:rPr lang="en-US" sz="900" dirty="0" smtClean="0"/>
+              <a:rPr lang="en-US" sz="900" dirty="0"/>
               <a:t>Resource Model</a:t>
             </a:r>
             <a:br>
-              <a:rPr lang="en-US" sz="900" dirty="0" smtClean="0"/>
+              <a:rPr lang="en-US" sz="900" dirty="0"/>
             </a:br>
-            <a:r>
-              <a:rPr lang="en-US" sz="400" dirty="0" smtClean="0"/>
-              <a:t/>
-            </a:r>
             <a:br>
-              <a:rPr lang="en-US" sz="400" dirty="0" smtClean="0"/>
+              <a:rPr lang="en-US" sz="400" dirty="0"/>
             </a:br>
             <a:r>
-              <a:rPr lang="en-US" sz="600" dirty="0" smtClean="0"/>
+              <a:rPr lang="en-US" sz="600" dirty="0"/>
               <a:t>uml-v2.5 + </a:t>
             </a:r>
             <a:r>
-              <a:rPr lang="en-US" sz="600" dirty="0" err="1" smtClean="0"/>
+              <a:rPr lang="en-US" sz="600" dirty="0" err="1"/>
               <a:t>xmi</a:t>
             </a:r>
             <a:r>
-              <a:rPr lang="en-US" sz="600" dirty="0" smtClean="0"/>
+              <a:rPr lang="en-US" sz="600" dirty="0"/>
               <a:t> / xml</a:t>
             </a:r>
-            <a:endParaRPr lang="en-US" sz="600" dirty="0"/>
           </a:p>
         </p:txBody>
       </p:sp>
@@ -4853,7 +8489,7 @@
         </p:nvSpPr>
         <p:spPr>
           <a:xfrm>
-            <a:off x="3352800" y="590550"/>
+            <a:off x="5332412" y="1447800"/>
             <a:ext cx="990600" cy="533400"/>
           </a:xfrm>
           <a:prstGeom prst="rect">
@@ -4879,48 +8515,39 @@
           <a:lstStyle/>
           <a:p>
             <a:pPr algn="ctr"/>
-            <a:r>
-              <a:rPr lang="en-US" sz="400" dirty="0" smtClean="0"/>
-              <a:t/>
-            </a:r>
             <a:br>
-              <a:rPr lang="en-US" sz="400" dirty="0" smtClean="0"/>
+              <a:rPr lang="en-US" sz="400" dirty="0"/>
             </a:br>
             <a:r>
-              <a:rPr lang="en-US" sz="900" dirty="0" smtClean="0"/>
+              <a:rPr lang="en-US" sz="900" dirty="0"/>
               <a:t>API4KP Terminologies</a:t>
             </a:r>
             <a:br>
-              <a:rPr lang="en-US" sz="900" dirty="0" smtClean="0"/>
+              <a:rPr lang="en-US" sz="900" dirty="0"/>
             </a:br>
-            <a:r>
-              <a:rPr lang="en-US" sz="400" dirty="0" smtClean="0"/>
-              <a:t/>
-            </a:r>
             <a:br>
-              <a:rPr lang="en-US" sz="400" dirty="0" smtClean="0"/>
+              <a:rPr lang="en-US" sz="400" dirty="0"/>
             </a:br>
             <a:r>
-              <a:rPr lang="en-US" sz="600" dirty="0" smtClean="0"/>
+              <a:rPr lang="en-US" sz="600" dirty="0"/>
               <a:t>owl-v2 [</a:t>
             </a:r>
             <a:r>
-              <a:rPr lang="en-US" sz="600" dirty="0" err="1" smtClean="0"/>
+              <a:rPr lang="en-US" sz="600" dirty="0" err="1"/>
               <a:t>skos</a:t>
             </a:r>
             <a:r>
-              <a:rPr lang="en-US" sz="600" dirty="0" smtClean="0"/>
+              <a:rPr lang="en-US" sz="600" dirty="0"/>
               <a:t>] + </a:t>
             </a:r>
             <a:r>
-              <a:rPr lang="en-US" sz="600" dirty="0" err="1" smtClean="0"/>
+              <a:rPr lang="en-US" sz="600" dirty="0" err="1"/>
               <a:t>rdf</a:t>
             </a:r>
             <a:r>
-              <a:rPr lang="en-US" sz="600" dirty="0" smtClean="0"/>
+              <a:rPr lang="en-US" sz="600" dirty="0"/>
               <a:t> / xml</a:t>
             </a:r>
-            <a:endParaRPr lang="en-US" sz="600" dirty="0"/>
           </a:p>
         </p:txBody>
       </p:sp>
@@ -4932,7 +8559,7 @@
         </p:nvSpPr>
         <p:spPr>
           <a:xfrm>
-            <a:off x="3352800" y="2038350"/>
+            <a:off x="5332412" y="2895600"/>
             <a:ext cx="990600" cy="533400"/>
           </a:xfrm>
           <a:prstGeom prst="rect">
@@ -4958,36 +8585,27 @@
           <a:lstStyle/>
           <a:p>
             <a:pPr algn="ctr"/>
-            <a:r>
-              <a:rPr lang="en-US" sz="400" dirty="0" smtClean="0"/>
-              <a:t/>
-            </a:r>
             <a:br>
-              <a:rPr lang="en-US" sz="400" dirty="0" smtClean="0"/>
+              <a:rPr lang="en-US" sz="400" dirty="0"/>
             </a:br>
             <a:r>
-              <a:rPr lang="en-US" sz="900" dirty="0" smtClean="0"/>
+              <a:rPr lang="en-US" sz="900" dirty="0"/>
               <a:t>Resource Schemas</a:t>
             </a:r>
             <a:br>
-              <a:rPr lang="en-US" sz="900" dirty="0" smtClean="0"/>
+              <a:rPr lang="en-US" sz="900" dirty="0"/>
             </a:br>
-            <a:r>
-              <a:rPr lang="en-US" sz="400" dirty="0" smtClean="0"/>
-              <a:t/>
-            </a:r>
             <a:br>
-              <a:rPr lang="en-US" sz="400" dirty="0" smtClean="0"/>
+              <a:rPr lang="en-US" sz="400" dirty="0"/>
             </a:br>
             <a:r>
-              <a:rPr lang="en-US" sz="600" dirty="0" err="1" smtClean="0"/>
+              <a:rPr lang="en-US" sz="600" dirty="0" err="1"/>
               <a:t>xsd</a:t>
             </a:r>
             <a:r>
-              <a:rPr lang="en-US" sz="600" dirty="0" smtClean="0"/>
+              <a:rPr lang="en-US" sz="600" dirty="0"/>
               <a:t> + xml</a:t>
             </a:r>
-            <a:endParaRPr lang="en-US" sz="600" dirty="0"/>
           </a:p>
         </p:txBody>
       </p:sp>
@@ -4999,7 +8617,7 @@
         </p:nvSpPr>
         <p:spPr>
           <a:xfrm>
-            <a:off x="6172200" y="582038"/>
+            <a:off x="8151812" y="1439288"/>
             <a:ext cx="990600" cy="533400"/>
           </a:xfrm>
           <a:prstGeom prst="rect">
@@ -5025,43 +8643,26 @@
           <a:lstStyle/>
           <a:p>
             <a:pPr algn="ctr"/>
-            <a:r>
-              <a:rPr lang="en-US" sz="400" dirty="0" smtClean="0"/>
-              <a:t/>
-            </a:r>
             <a:br>
-              <a:rPr lang="en-US" sz="400" dirty="0" smtClean="0"/>
+              <a:rPr lang="en-US" sz="400" dirty="0"/>
             </a:br>
             <a:r>
-              <a:rPr lang="en-US" sz="900" dirty="0" err="1" smtClean="0"/>
+              <a:rPr lang="en-US" sz="900" dirty="0" err="1"/>
               <a:t>Enums</a:t>
             </a:r>
-            <a:r>
-              <a:rPr lang="en-US" sz="900" dirty="0" smtClean="0"/>
-              <a:t/>
-            </a:r>
             <a:br>
-              <a:rPr lang="en-US" sz="900" dirty="0" smtClean="0"/>
+              <a:rPr lang="en-US" sz="900" dirty="0"/>
             </a:br>
-            <a:r>
-              <a:rPr lang="en-US" sz="900" dirty="0" smtClean="0"/>
-              <a:t/>
-            </a:r>
             <a:br>
-              <a:rPr lang="en-US" sz="900" dirty="0" smtClean="0"/>
+              <a:rPr lang="en-US" sz="900" dirty="0"/>
             </a:br>
-            <a:r>
-              <a:rPr lang="en-US" sz="400" dirty="0" smtClean="0"/>
-              <a:t/>
-            </a:r>
             <a:br>
-              <a:rPr lang="en-US" sz="400" dirty="0" smtClean="0"/>
+              <a:rPr lang="en-US" sz="400" dirty="0"/>
             </a:br>
             <a:r>
-              <a:rPr lang="en-US" sz="600" dirty="0" smtClean="0"/>
+              <a:rPr lang="en-US" sz="600" dirty="0"/>
               <a:t>java-v11</a:t>
             </a:r>
-            <a:endParaRPr lang="en-US" sz="600" dirty="0"/>
           </a:p>
         </p:txBody>
       </p:sp>
@@ -5073,7 +8674,7 @@
         </p:nvSpPr>
         <p:spPr>
           <a:xfrm>
-            <a:off x="6172200" y="2038350"/>
+            <a:off x="8151812" y="2895600"/>
             <a:ext cx="990600" cy="533400"/>
           </a:xfrm>
           <a:prstGeom prst="rect">
@@ -5099,39 +8700,30 @@
           <a:lstStyle/>
           <a:p>
             <a:pPr algn="ctr"/>
-            <a:r>
-              <a:rPr lang="en-US" sz="400" dirty="0" smtClean="0"/>
-              <a:t/>
-            </a:r>
             <a:br>
-              <a:rPr lang="en-US" sz="400" dirty="0" smtClean="0"/>
+              <a:rPr lang="en-US" sz="400" dirty="0"/>
             </a:br>
             <a:r>
-              <a:rPr lang="en-US" sz="900" dirty="0" smtClean="0"/>
+              <a:rPr lang="en-US" sz="900" dirty="0"/>
               <a:t>POJO </a:t>
             </a:r>
             <a:br>
-              <a:rPr lang="en-US" sz="900" dirty="0" smtClean="0"/>
+              <a:rPr lang="en-US" sz="900" dirty="0"/>
             </a:br>
             <a:r>
-              <a:rPr lang="en-US" sz="900" dirty="0" smtClean="0"/>
+              <a:rPr lang="en-US" sz="900" dirty="0"/>
               <a:t>Classes</a:t>
             </a:r>
             <a:br>
-              <a:rPr lang="en-US" sz="900" dirty="0" smtClean="0"/>
+              <a:rPr lang="en-US" sz="900" dirty="0"/>
             </a:br>
-            <a:r>
-              <a:rPr lang="en-US" sz="400" dirty="0" smtClean="0"/>
-              <a:t/>
-            </a:r>
             <a:br>
-              <a:rPr lang="en-US" sz="400" dirty="0" smtClean="0"/>
+              <a:rPr lang="en-US" sz="400" dirty="0"/>
             </a:br>
             <a:r>
-              <a:rPr lang="en-US" sz="600" dirty="0" smtClean="0"/>
+              <a:rPr lang="en-US" sz="600" dirty="0"/>
               <a:t>java-v11</a:t>
             </a:r>
-            <a:endParaRPr lang="en-US" sz="600" dirty="0"/>
           </a:p>
         </p:txBody>
       </p:sp>
@@ -5143,7 +8735,7 @@
         </p:nvSpPr>
         <p:spPr>
           <a:xfrm>
-            <a:off x="6172200" y="3638550"/>
+            <a:off x="8151812" y="4495800"/>
             <a:ext cx="990600" cy="533400"/>
           </a:xfrm>
           <a:prstGeom prst="rect">
@@ -5170,31 +8762,26 @@
           <a:p>
             <a:pPr algn="ctr"/>
             <a:r>
-              <a:rPr lang="en-US" sz="900" dirty="0" smtClean="0"/>
+              <a:rPr lang="en-US" sz="900" dirty="0"/>
               <a:t>(Web) </a:t>
             </a:r>
             <a:br>
-              <a:rPr lang="en-US" sz="900" dirty="0" smtClean="0"/>
+              <a:rPr lang="en-US" sz="900" dirty="0"/>
             </a:br>
             <a:r>
-              <a:rPr lang="en-US" sz="900" dirty="0" smtClean="0"/>
+              <a:rPr lang="en-US" sz="900" dirty="0"/>
               <a:t>Service</a:t>
             </a:r>
             <a:br>
-              <a:rPr lang="en-US" sz="900" dirty="0" smtClean="0"/>
+              <a:rPr lang="en-US" sz="900" dirty="0"/>
             </a:br>
-            <a:r>
-              <a:rPr lang="en-US" sz="400" dirty="0" smtClean="0"/>
-              <a:t/>
-            </a:r>
             <a:br>
-              <a:rPr lang="en-US" sz="400" dirty="0" smtClean="0"/>
+              <a:rPr lang="en-US" sz="400" dirty="0"/>
             </a:br>
             <a:r>
-              <a:rPr lang="en-US" sz="600" dirty="0" smtClean="0"/>
+              <a:rPr lang="en-US" sz="600" dirty="0"/>
               <a:t>java-v11 [spring]</a:t>
             </a:r>
-            <a:endParaRPr lang="en-US" sz="600" dirty="0"/>
           </a:p>
         </p:txBody>
       </p:sp>
@@ -5206,7 +8793,7 @@
         </p:nvSpPr>
         <p:spPr>
           <a:xfrm>
-            <a:off x="3333345" y="3638550"/>
+            <a:off x="5312957" y="4495800"/>
             <a:ext cx="990600" cy="533400"/>
           </a:xfrm>
           <a:prstGeom prst="rect">
@@ -5232,40 +8819,32 @@
           <a:lstStyle/>
           <a:p>
             <a:pPr algn="ctr"/>
-            <a:r>
-              <a:rPr lang="en-US" sz="400" dirty="0" smtClean="0"/>
-              <a:t/>
-            </a:r>
             <a:br>
-              <a:rPr lang="en-US" sz="400" dirty="0" smtClean="0"/>
+              <a:rPr lang="en-US" sz="400" dirty="0"/>
             </a:br>
             <a:r>
-              <a:rPr lang="en-US" sz="900" dirty="0" smtClean="0"/>
+              <a:rPr lang="en-US" sz="900" dirty="0"/>
               <a:t>Web API </a:t>
             </a:r>
             <a:br>
-              <a:rPr lang="en-US" sz="900" dirty="0" smtClean="0"/>
+              <a:rPr lang="en-US" sz="900" dirty="0"/>
             </a:br>
             <a:r>
-              <a:rPr lang="en-US" sz="900" dirty="0" smtClean="0"/>
+              <a:rPr lang="en-US" sz="900" dirty="0"/>
               <a:t>Spec</a:t>
             </a:r>
             <a:br>
-              <a:rPr lang="en-US" sz="900" dirty="0" smtClean="0"/>
+              <a:rPr lang="en-US" sz="900" dirty="0"/>
             </a:br>
-            <a:r>
-              <a:rPr lang="en-US" sz="400" dirty="0" smtClean="0"/>
-              <a:t/>
-            </a:r>
             <a:br>
-              <a:rPr lang="en-US" sz="400" dirty="0" smtClean="0"/>
+              <a:rPr lang="en-US" sz="400" dirty="0"/>
             </a:br>
             <a:r>
-              <a:rPr lang="en-US" sz="600" dirty="0" smtClean="0"/>
+              <a:rPr lang="en-US" sz="600" dirty="0"/>
               <a:t>openapi-v2 + </a:t>
             </a:r>
             <a:r>
-              <a:rPr lang="en-US" sz="600" dirty="0" err="1" smtClean="0"/>
+              <a:rPr lang="en-US" sz="600" dirty="0" err="1"/>
               <a:t>yaml</a:t>
             </a:r>
             <a:endParaRPr lang="en-US" sz="600" dirty="0"/>
@@ -5280,7 +8859,7 @@
         </p:nvSpPr>
         <p:spPr>
           <a:xfrm>
-            <a:off x="609600" y="3638550"/>
+            <a:off x="2589212" y="4495800"/>
             <a:ext cx="990600" cy="533400"/>
           </a:xfrm>
           <a:prstGeom prst="rect">
@@ -5306,39 +8885,30 @@
           <a:lstStyle/>
           <a:p>
             <a:pPr algn="ctr"/>
-            <a:r>
-              <a:rPr lang="en-US" sz="400" dirty="0" smtClean="0"/>
-              <a:t/>
-            </a:r>
             <a:br>
-              <a:rPr lang="en-US" sz="400" dirty="0" smtClean="0"/>
+              <a:rPr lang="en-US" sz="400" dirty="0"/>
             </a:br>
             <a:r>
-              <a:rPr lang="en-US" sz="900" dirty="0" smtClean="0"/>
+              <a:rPr lang="en-US" sz="900" dirty="0"/>
               <a:t>Operations</a:t>
             </a:r>
             <a:br>
-              <a:rPr lang="en-US" sz="900" dirty="0" smtClean="0"/>
+              <a:rPr lang="en-US" sz="900" dirty="0"/>
             </a:br>
             <a:r>
-              <a:rPr lang="en-US" sz="900" dirty="0" smtClean="0"/>
+              <a:rPr lang="en-US" sz="900" dirty="0"/>
               <a:t>Interfaces</a:t>
             </a:r>
             <a:br>
-              <a:rPr lang="en-US" sz="900" dirty="0" smtClean="0"/>
+              <a:rPr lang="en-US" sz="900" dirty="0"/>
             </a:br>
-            <a:r>
-              <a:rPr lang="en-US" sz="400" dirty="0" smtClean="0"/>
-              <a:t/>
-            </a:r>
             <a:br>
-              <a:rPr lang="en-US" sz="400" dirty="0" smtClean="0"/>
+              <a:rPr lang="en-US" sz="400" dirty="0"/>
             </a:br>
             <a:r>
-              <a:rPr lang="en-US" sz="600" dirty="0" smtClean="0"/>
+              <a:rPr lang="en-US" sz="600" dirty="0"/>
               <a:t>IDL-v3</a:t>
             </a:r>
-            <a:endParaRPr lang="en-US" sz="600" dirty="0"/>
           </a:p>
         </p:txBody>
       </p:sp>
@@ -5350,7 +8920,7 @@
         </p:nvSpPr>
         <p:spPr>
           <a:xfrm>
-            <a:off x="4870315" y="704850"/>
+            <a:off x="6849927" y="1562100"/>
             <a:ext cx="838200" cy="304800"/>
           </a:xfrm>
           <a:prstGeom prst="roundRect">
@@ -5377,10 +8947,9 @@
           <a:p>
             <a:pPr algn="ctr"/>
             <a:r>
-              <a:rPr lang="en-US" sz="800" dirty="0" smtClean="0"/>
+              <a:rPr lang="en-US" sz="800" dirty="0"/>
               <a:t>SKOS Compiler</a:t>
             </a:r>
-            <a:endParaRPr lang="en-US" sz="800" dirty="0"/>
           </a:p>
         </p:txBody>
       </p:sp>
@@ -5392,7 +8961,7 @@
         </p:nvSpPr>
         <p:spPr>
           <a:xfrm>
-            <a:off x="4870315" y="2152650"/>
+            <a:off x="6849927" y="3009900"/>
             <a:ext cx="838200" cy="304800"/>
           </a:xfrm>
           <a:prstGeom prst="roundRect">
@@ -5419,7 +8988,7 @@
           <a:p>
             <a:pPr algn="ctr"/>
             <a:r>
-              <a:rPr lang="en-US" sz="800" dirty="0" err="1" smtClean="0"/>
+              <a:rPr lang="en-US" sz="800" dirty="0" err="1"/>
               <a:t>JaxB</a:t>
             </a:r>
             <a:endParaRPr lang="en-US" sz="800" dirty="0"/>
@@ -5434,7 +9003,7 @@
         </p:nvSpPr>
         <p:spPr>
           <a:xfrm>
-            <a:off x="4870315" y="3752850"/>
+            <a:off x="6849927" y="4610100"/>
             <a:ext cx="838200" cy="304800"/>
           </a:xfrm>
           <a:prstGeom prst="roundRect">
@@ -5461,14 +9030,14 @@
           <a:p>
             <a:pPr algn="ctr"/>
             <a:r>
-              <a:rPr lang="en-US" sz="800" dirty="0" smtClean="0"/>
+              <a:rPr lang="en-US" sz="800" dirty="0"/>
               <a:t>Swagger</a:t>
             </a:r>
             <a:br>
-              <a:rPr lang="en-US" sz="800" dirty="0" smtClean="0"/>
+              <a:rPr lang="en-US" sz="800" dirty="0"/>
             </a:br>
             <a:r>
-              <a:rPr lang="en-US" sz="800" dirty="0" err="1" smtClean="0"/>
+              <a:rPr lang="en-US" sz="800" dirty="0" err="1"/>
               <a:t>Codegen</a:t>
             </a:r>
             <a:endParaRPr lang="en-US" sz="800" dirty="0"/>
@@ -5483,7 +9052,7 @@
         </p:nvSpPr>
         <p:spPr>
           <a:xfrm>
-            <a:off x="2057400" y="704850"/>
+            <a:off x="4037012" y="1562100"/>
             <a:ext cx="838200" cy="304800"/>
           </a:xfrm>
           <a:prstGeom prst="roundRect">
@@ -5510,17 +9079,16 @@
           <a:p>
             <a:pPr algn="ctr"/>
             <a:r>
-              <a:rPr lang="en-US" sz="800" dirty="0" smtClean="0"/>
+              <a:rPr lang="en-US" sz="800" dirty="0"/>
               <a:t>OWL / SKOS</a:t>
             </a:r>
             <a:br>
-              <a:rPr lang="en-US" sz="800" dirty="0" smtClean="0"/>
+              <a:rPr lang="en-US" sz="800" dirty="0"/>
             </a:br>
             <a:r>
-              <a:rPr lang="en-US" sz="800" dirty="0" smtClean="0"/>
+              <a:rPr lang="en-US" sz="800" dirty="0"/>
               <a:t>MIREOT</a:t>
             </a:r>
-            <a:endParaRPr lang="en-US" sz="800" dirty="0"/>
           </a:p>
         </p:txBody>
       </p:sp>
@@ -5532,7 +9100,7 @@
         </p:nvSpPr>
         <p:spPr>
           <a:xfrm>
-            <a:off x="2057400" y="2152650"/>
+            <a:off x="4037012" y="3009900"/>
             <a:ext cx="838200" cy="304800"/>
           </a:xfrm>
           <a:prstGeom prst="roundRect">
@@ -5559,10 +9127,9 @@
           <a:p>
             <a:pPr algn="ctr"/>
             <a:r>
-              <a:rPr lang="en-US" sz="800" dirty="0" smtClean="0"/>
+              <a:rPr lang="en-US" sz="800" dirty="0"/>
               <a:t>XMI to XSD</a:t>
             </a:r>
-            <a:endParaRPr lang="en-US" sz="800" dirty="0"/>
           </a:p>
         </p:txBody>
       </p:sp>
@@ -5574,7 +9141,7 @@
         </p:nvSpPr>
         <p:spPr>
           <a:xfrm>
-            <a:off x="2057400" y="3752850"/>
+            <a:off x="4037012" y="4610100"/>
             <a:ext cx="838200" cy="304800"/>
           </a:xfrm>
           <a:prstGeom prst="roundRect">
@@ -5601,17 +9168,16 @@
           <a:p>
             <a:pPr algn="ctr"/>
             <a:r>
-              <a:rPr lang="en-US" sz="800" dirty="0" smtClean="0"/>
+              <a:rPr lang="en-US" sz="800" dirty="0"/>
               <a:t>Swagger</a:t>
             </a:r>
             <a:br>
-              <a:rPr lang="en-US" sz="800" dirty="0" smtClean="0"/>
+              <a:rPr lang="en-US" sz="800" dirty="0"/>
             </a:br>
             <a:r>
-              <a:rPr lang="en-US" sz="800" dirty="0" smtClean="0"/>
+              <a:rPr lang="en-US" sz="800" dirty="0"/>
               <a:t> to IDL</a:t>
             </a:r>
-            <a:endParaRPr lang="en-US" sz="800" dirty="0"/>
           </a:p>
         </p:txBody>
       </p:sp>
@@ -5623,7 +9189,7 @@
         </p:nvSpPr>
         <p:spPr>
           <a:xfrm>
-            <a:off x="2743200" y="2952750"/>
+            <a:off x="4722812" y="3810000"/>
             <a:ext cx="838200" cy="304800"/>
           </a:xfrm>
           <a:prstGeom prst="roundRect">
@@ -5650,17 +9216,16 @@
           <a:p>
             <a:pPr algn="ctr"/>
             <a:r>
-              <a:rPr lang="en-US" sz="800" dirty="0" smtClean="0"/>
+              <a:rPr lang="en-US" sz="800" dirty="0"/>
               <a:t>Swagger</a:t>
             </a:r>
             <a:br>
-              <a:rPr lang="en-US" sz="800" dirty="0" smtClean="0"/>
+              <a:rPr lang="en-US" sz="800" dirty="0"/>
             </a:br>
             <a:r>
-              <a:rPr lang="en-US" sz="800" dirty="0" smtClean="0"/>
+              <a:rPr lang="en-US" sz="800" dirty="0"/>
               <a:t> to IDL</a:t>
             </a:r>
-            <a:endParaRPr lang="en-US" sz="800" dirty="0"/>
           </a:p>
         </p:txBody>
       </p:sp>
@@ -5672,7 +9237,7 @@
         </p:nvSpPr>
         <p:spPr>
           <a:xfrm>
-            <a:off x="4038600" y="2838450"/>
+            <a:off x="6018212" y="3695700"/>
             <a:ext cx="990600" cy="533400"/>
           </a:xfrm>
           <a:prstGeom prst="rect">
@@ -5701,36 +9266,27 @@
           <a:lstStyle/>
           <a:p>
             <a:pPr algn="ctr"/>
-            <a:r>
-              <a:rPr lang="en-US" sz="400" dirty="0" smtClean="0"/>
-              <a:t/>
-            </a:r>
             <a:br>
-              <a:rPr lang="en-US" sz="400" dirty="0" smtClean="0"/>
+              <a:rPr lang="en-US" sz="400" dirty="0"/>
             </a:br>
             <a:r>
-              <a:rPr lang="en-US" sz="900" dirty="0" smtClean="0"/>
+              <a:rPr lang="en-US" sz="900" dirty="0"/>
               <a:t>Resource Schemas</a:t>
             </a:r>
             <a:br>
-              <a:rPr lang="en-US" sz="900" dirty="0" smtClean="0"/>
+              <a:rPr lang="en-US" sz="900" dirty="0"/>
             </a:br>
-            <a:r>
-              <a:rPr lang="en-US" sz="400" dirty="0" smtClean="0"/>
-              <a:t/>
-            </a:r>
             <a:br>
-              <a:rPr lang="en-US" sz="400" dirty="0" smtClean="0"/>
+              <a:rPr lang="en-US" sz="400" dirty="0"/>
             </a:br>
             <a:r>
-              <a:rPr lang="en-US" sz="600" dirty="0" err="1" smtClean="0"/>
+              <a:rPr lang="en-US" sz="600" dirty="0" err="1"/>
               <a:t>xsd</a:t>
             </a:r>
             <a:r>
-              <a:rPr lang="en-US" sz="600" dirty="0" smtClean="0"/>
+              <a:rPr lang="en-US" sz="600" dirty="0"/>
               <a:t> + xml</a:t>
             </a:r>
-            <a:endParaRPr lang="en-US" sz="600" dirty="0"/>
           </a:p>
         </p:txBody>
       </p:sp>
@@ -5745,7 +9301,7 @@
         </p:nvCxnSpPr>
         <p:spPr>
           <a:xfrm>
-            <a:off x="1600200" y="857250"/>
+            <a:off x="3579812" y="1714500"/>
             <a:ext cx="457200" cy="0"/>
           </a:xfrm>
           <a:prstGeom prst="straightConnector1">
@@ -5781,7 +9337,7 @@
         </p:nvCxnSpPr>
         <p:spPr>
           <a:xfrm>
-            <a:off x="2895600" y="857250"/>
+            <a:off x="4875212" y="1714500"/>
             <a:ext cx="457200" cy="0"/>
           </a:xfrm>
           <a:prstGeom prst="straightConnector1">
@@ -5817,7 +9373,7 @@
         </p:nvCxnSpPr>
         <p:spPr>
           <a:xfrm>
-            <a:off x="4343400" y="857250"/>
+            <a:off x="6323014" y="1714500"/>
             <a:ext cx="526915" cy="0"/>
           </a:xfrm>
           <a:prstGeom prst="straightConnector1">
@@ -5853,7 +9409,7 @@
         </p:nvCxnSpPr>
         <p:spPr>
           <a:xfrm flipV="1">
-            <a:off x="5708515" y="848738"/>
+            <a:off x="7688129" y="1705988"/>
             <a:ext cx="463685" cy="8512"/>
           </a:xfrm>
           <a:prstGeom prst="straightConnector1">
@@ -5889,7 +9445,7 @@
         </p:nvCxnSpPr>
         <p:spPr>
           <a:xfrm>
-            <a:off x="1600200" y="2305050"/>
+            <a:off x="3579812" y="3162300"/>
             <a:ext cx="457200" cy="0"/>
           </a:xfrm>
           <a:prstGeom prst="straightConnector1">
@@ -5925,7 +9481,7 @@
         </p:nvCxnSpPr>
         <p:spPr>
           <a:xfrm>
-            <a:off x="2895600" y="2305050"/>
+            <a:off x="4875212" y="3162300"/>
             <a:ext cx="457200" cy="0"/>
           </a:xfrm>
           <a:prstGeom prst="straightConnector1">
@@ -5961,7 +9517,7 @@
         </p:nvCxnSpPr>
         <p:spPr>
           <a:xfrm>
-            <a:off x="4343400" y="2305050"/>
+            <a:off x="6323014" y="3162300"/>
             <a:ext cx="526915" cy="0"/>
           </a:xfrm>
           <a:prstGeom prst="straightConnector1">
@@ -5997,7 +9553,7 @@
         </p:nvCxnSpPr>
         <p:spPr>
           <a:xfrm>
-            <a:off x="5708515" y="2305050"/>
+            <a:off x="7688129" y="3162300"/>
             <a:ext cx="463685" cy="0"/>
           </a:xfrm>
           <a:prstGeom prst="straightConnector1">
@@ -6033,7 +9589,7 @@
         </p:nvCxnSpPr>
         <p:spPr>
           <a:xfrm>
-            <a:off x="5708515" y="3905250"/>
+            <a:off x="7688129" y="4762500"/>
             <a:ext cx="463685" cy="0"/>
           </a:xfrm>
           <a:prstGeom prst="straightConnector1">
@@ -6069,7 +9625,7 @@
         </p:nvCxnSpPr>
         <p:spPr>
           <a:xfrm>
-            <a:off x="4323945" y="3905250"/>
+            <a:off x="6303557" y="4762500"/>
             <a:ext cx="546370" cy="0"/>
           </a:xfrm>
           <a:prstGeom prst="straightConnector1">
@@ -6105,7 +9661,7 @@
         </p:nvCxnSpPr>
         <p:spPr>
           <a:xfrm flipH="1">
-            <a:off x="2895600" y="3905250"/>
+            <a:off x="4875214" y="4762500"/>
             <a:ext cx="437745" cy="0"/>
           </a:xfrm>
           <a:prstGeom prst="straightConnector1">
@@ -6141,7 +9697,7 @@
         </p:nvCxnSpPr>
         <p:spPr>
           <a:xfrm flipH="1">
-            <a:off x="1600200" y="3905250"/>
+            <a:off x="3579812" y="4762500"/>
             <a:ext cx="457200" cy="0"/>
           </a:xfrm>
           <a:prstGeom prst="straightConnector1">
@@ -6177,7 +9733,7 @@
         </p:nvCxnSpPr>
         <p:spPr>
           <a:xfrm>
-            <a:off x="3581400" y="3105150"/>
+            <a:off x="5561012" y="3962400"/>
             <a:ext cx="457200" cy="0"/>
           </a:xfrm>
           <a:prstGeom prst="straightConnector1">
@@ -6213,7 +9769,7 @@
         </p:nvCxnSpPr>
         <p:spPr>
           <a:xfrm rot="5400000">
-            <a:off x="3314700" y="2419350"/>
+            <a:off x="5294312" y="3276600"/>
             <a:ext cx="381000" cy="685800"/>
           </a:xfrm>
           <a:prstGeom prst="bentConnector3">
@@ -6249,7 +9805,7 @@
         </p:nvCxnSpPr>
         <p:spPr>
           <a:xfrm>
-            <a:off x="5029200" y="3105150"/>
+            <a:off x="7008814" y="3962400"/>
             <a:ext cx="260215" cy="647700"/>
           </a:xfrm>
           <a:prstGeom prst="bentConnector2">
@@ -6282,7 +9838,7 @@
         </p:nvSpPr>
         <p:spPr>
           <a:xfrm>
-            <a:off x="3429000" y="1428750"/>
+            <a:off x="5408612" y="2286000"/>
             <a:ext cx="838200" cy="304800"/>
           </a:xfrm>
           <a:prstGeom prst="roundRect">
@@ -6309,17 +9865,16 @@
           <a:p>
             <a:pPr algn="ctr"/>
             <a:r>
-              <a:rPr lang="en-US" sz="800" dirty="0" smtClean="0"/>
+              <a:rPr lang="en-US" sz="800" dirty="0"/>
               <a:t>SKOS </a:t>
             </a:r>
             <a:br>
-              <a:rPr lang="en-US" sz="800" dirty="0" smtClean="0"/>
+              <a:rPr lang="en-US" sz="800" dirty="0"/>
             </a:br>
             <a:r>
-              <a:rPr lang="en-US" sz="800" dirty="0" smtClean="0"/>
+              <a:rPr lang="en-US" sz="800" dirty="0"/>
               <a:t>to XSD</a:t>
             </a:r>
-            <a:endParaRPr lang="en-US" sz="800" dirty="0"/>
           </a:p>
         </p:txBody>
       </p:sp>
@@ -6334,7 +9889,7 @@
         </p:nvCxnSpPr>
         <p:spPr>
           <a:xfrm>
-            <a:off x="3848100" y="1123950"/>
+            <a:off x="5827712" y="1981200"/>
             <a:ext cx="0" cy="304800"/>
           </a:xfrm>
           <a:prstGeom prst="straightConnector1">
@@ -6370,7 +9925,7 @@
         </p:nvCxnSpPr>
         <p:spPr>
           <a:xfrm>
-            <a:off x="3848100" y="1733550"/>
+            <a:off x="5827712" y="2590800"/>
             <a:ext cx="0" cy="304800"/>
           </a:xfrm>
           <a:prstGeom prst="straightConnector1">
@@ -6406,7 +9961,7 @@
         </p:nvCxnSpPr>
         <p:spPr>
           <a:xfrm flipV="1">
-            <a:off x="6667500" y="1115438"/>
+            <a:off x="8647112" y="1972688"/>
             <a:ext cx="0" cy="922912"/>
           </a:xfrm>
           <a:prstGeom prst="straightConnector1">
@@ -6443,7 +9998,7 @@
         </p:nvCxnSpPr>
         <p:spPr>
           <a:xfrm flipV="1">
-            <a:off x="6667500" y="2571750"/>
+            <a:off x="8647112" y="3429000"/>
             <a:ext cx="0" cy="1066800"/>
           </a:xfrm>
           <a:prstGeom prst="straightConnector1">
@@ -6480,7 +10035,7 @@
         </p:nvCxnSpPr>
         <p:spPr>
           <a:xfrm rot="10800000" flipV="1">
-            <a:off x="2476500" y="3105150"/>
+            <a:off x="4456112" y="3962400"/>
             <a:ext cx="266700" cy="647700"/>
           </a:xfrm>
           <a:prstGeom prst="bentConnector2">
@@ -6515,13 +10070,6 @@
   <p:clrMapOvr>
     <a:masterClrMapping/>
   </p:clrMapOvr>
-  <p:timing>
-    <p:tnLst>
-      <p:par>
-        <p:cTn id="1" dur="indefinite" restart="never" nodeType="tmRoot"/>
-      </p:par>
-    </p:tnLst>
-  </p:timing>
 </p:sld>
 </file>
 
